--- a/doc/PP_Arcade_V1.pptx
+++ b/doc/PP_Arcade_V1.pptx
@@ -5621,6 +5621,19 @@
             </a:r>
           </a:p>
           <a:p>
+            <a:r>
+              <a:rPr lang="de-DE" dirty="0" smtClean="0"/>
+              <a:t>Offline spielbar. Mit wenigen </a:t>
+            </a:r>
+            <a:r>
+              <a:rPr lang="de-DE" smtClean="0"/>
+              <a:t>Klicks installiert</a:t>
+            </a:r>
+          </a:p>
+          <a:p>
+            <a:endParaRPr lang="de-DE" dirty="0" smtClean="0"/>
+          </a:p>
+          <a:p>
             <a:endParaRPr lang="de-DE" dirty="0"/>
           </a:p>
         </p:txBody>

--- a/doc/PP_Arcade_V1.pptx
+++ b/doc/PP_Arcade_V1.pptx
@@ -11,11 +11,18 @@
     <p:sldId id="258" r:id="rId5"/>
     <p:sldId id="260" r:id="rId6"/>
     <p:sldId id="261" r:id="rId7"/>
-    <p:sldId id="265" r:id="rId8"/>
-    <p:sldId id="262" r:id="rId9"/>
-    <p:sldId id="266" r:id="rId10"/>
-    <p:sldId id="263" r:id="rId11"/>
-    <p:sldId id="264" r:id="rId12"/>
+    <p:sldId id="268" r:id="rId8"/>
+    <p:sldId id="265" r:id="rId9"/>
+    <p:sldId id="269" r:id="rId10"/>
+    <p:sldId id="270" r:id="rId11"/>
+    <p:sldId id="262" r:id="rId12"/>
+    <p:sldId id="266" r:id="rId13"/>
+    <p:sldId id="271" r:id="rId14"/>
+    <p:sldId id="267" r:id="rId15"/>
+    <p:sldId id="263" r:id="rId16"/>
+    <p:sldId id="272" r:id="rId17"/>
+    <p:sldId id="273" r:id="rId18"/>
+    <p:sldId id="264" r:id="rId19"/>
   </p:sldIdLst>
   <p:sldSz cx="9144000" cy="6858000" type="screen4x3"/>
   <p:notesSz cx="6858000" cy="9144000"/>
@@ -211,7 +218,7 @@
           <a:p>
             <a:fld id="{A6BE1EF4-31ED-45C2-AC47-F2718A41336B}" type="datetimeFigureOut">
               <a:rPr lang="en-US" smtClean="0"/>
-              <a:t>10.01.20</a:t>
+              <a:t>17.01.20</a:t>
             </a:fld>
             <a:endParaRPr lang="en-US"/>
           </a:p>
@@ -514,7 +521,7 @@
           <a:p>
             <a:fld id="{A6BE1EF4-31ED-45C2-AC47-F2718A41336B}" type="datetimeFigureOut">
               <a:rPr lang="en-US" smtClean="0"/>
-              <a:t>10.01.20</a:t>
+              <a:t>17.01.20</a:t>
             </a:fld>
             <a:endParaRPr lang="en-US"/>
           </a:p>
@@ -604,7 +611,7 @@
           <a:p>
             <a:fld id="{A6BE1EF4-31ED-45C2-AC47-F2718A41336B}" type="datetimeFigureOut">
               <a:rPr lang="en-US" smtClean="0"/>
-              <a:t>10.01.20</a:t>
+              <a:t>17.01.20</a:t>
             </a:fld>
             <a:endParaRPr lang="en-US"/>
           </a:p>
@@ -883,7 +890,7 @@
           <a:p>
             <a:fld id="{A6BE1EF4-31ED-45C2-AC47-F2718A41336B}" type="datetimeFigureOut">
               <a:rPr lang="en-US" smtClean="0"/>
-              <a:t>10.01.20</a:t>
+              <a:t>17.01.20</a:t>
             </a:fld>
             <a:endParaRPr lang="en-US"/>
           </a:p>
@@ -973,7 +980,7 @@
           <a:p>
             <a:fld id="{A6BE1EF4-31ED-45C2-AC47-F2718A41336B}" type="datetimeFigureOut">
               <a:rPr lang="en-US" smtClean="0"/>
-              <a:t>10.01.20</a:t>
+              <a:t>17.01.20</a:t>
             </a:fld>
             <a:endParaRPr lang="en-US"/>
           </a:p>
@@ -1344,7 +1351,7 @@
           <a:p>
             <a:fld id="{A6BE1EF4-31ED-45C2-AC47-F2718A41336B}" type="datetimeFigureOut">
               <a:rPr lang="en-US" smtClean="0"/>
-              <a:t>10.01.20</a:t>
+              <a:t>17.01.20</a:t>
             </a:fld>
             <a:endParaRPr lang="en-US"/>
           </a:p>
@@ -1523,7 +1530,7 @@
           <a:p>
             <a:fld id="{A6BE1EF4-31ED-45C2-AC47-F2718A41336B}" type="datetimeFigureOut">
               <a:rPr lang="en-US" smtClean="0"/>
-              <a:t>10.01.20</a:t>
+              <a:t>17.01.20</a:t>
             </a:fld>
             <a:endParaRPr lang="en-US"/>
           </a:p>
@@ -1692,7 +1699,7 @@
           <a:p>
             <a:fld id="{A6BE1EF4-31ED-45C2-AC47-F2718A41336B}" type="datetimeFigureOut">
               <a:rPr lang="en-US" smtClean="0"/>
-              <a:t>10.01.20</a:t>
+              <a:t>17.01.20</a:t>
             </a:fld>
             <a:endParaRPr lang="en-US"/>
           </a:p>
@@ -1827,7 +1834,7 @@
           <a:p>
             <a:fld id="{A6BE1EF4-31ED-45C2-AC47-F2718A41336B}" type="datetimeFigureOut">
               <a:rPr lang="en-US" smtClean="0"/>
-              <a:t>10.01.20</a:t>
+              <a:t>17.01.20</a:t>
             </a:fld>
             <a:endParaRPr lang="en-US"/>
           </a:p>
@@ -2348,7 +2355,7 @@
           <a:p>
             <a:fld id="{A6BE1EF4-31ED-45C2-AC47-F2718A41336B}" type="datetimeFigureOut">
               <a:rPr lang="en-US" smtClean="0"/>
-              <a:t>10.01.20</a:t>
+              <a:t>17.01.20</a:t>
             </a:fld>
             <a:endParaRPr lang="en-US"/>
           </a:p>
@@ -2661,7 +2668,7 @@
           <a:p>
             <a:fld id="{A6BE1EF4-31ED-45C2-AC47-F2718A41336B}" type="datetimeFigureOut">
               <a:rPr lang="en-US" smtClean="0"/>
-              <a:t>10.01.20</a:t>
+              <a:t>17.01.20</a:t>
             </a:fld>
             <a:endParaRPr lang="en-US"/>
           </a:p>
@@ -3088,7 +3095,7 @@
           <a:p>
             <a:fld id="{A6BE1EF4-31ED-45C2-AC47-F2718A41336B}" type="datetimeFigureOut">
               <a:rPr lang="en-US" smtClean="0"/>
-              <a:t>10.01.20</a:t>
+              <a:t>17.01.20</a:t>
             </a:fld>
             <a:endParaRPr lang="en-US"/>
           </a:p>
@@ -3288,7 +3295,7 @@
           <a:p>
             <a:fld id="{A6BE1EF4-31ED-45C2-AC47-F2718A41336B}" type="datetimeFigureOut">
               <a:rPr lang="en-US" smtClean="0"/>
-              <a:t>10.01.20</a:t>
+              <a:t>17.01.20</a:t>
             </a:fld>
             <a:endParaRPr lang="en-US"/>
           </a:p>
@@ -3575,7 +3582,7 @@
           <a:p>
             <a:fld id="{A6BE1EF4-31ED-45C2-AC47-F2718A41336B}" type="datetimeFigureOut">
               <a:rPr lang="en-US" smtClean="0"/>
-              <a:t>10.01.20</a:t>
+              <a:t>17.01.20</a:t>
             </a:fld>
             <a:endParaRPr lang="en-US"/>
           </a:p>
@@ -3862,7 +3869,7 @@
           <a:p>
             <a:fld id="{A6BE1EF4-31ED-45C2-AC47-F2718A41336B}" type="datetimeFigureOut">
               <a:rPr lang="en-US" smtClean="0"/>
-              <a:t>10.01.20</a:t>
+              <a:t>17.01.20</a:t>
             </a:fld>
             <a:endParaRPr lang="en-US"/>
           </a:p>
@@ -4418,7 +4425,7 @@
           <a:p>
             <a:fld id="{A6BE1EF4-31ED-45C2-AC47-F2718A41336B}" type="datetimeFigureOut">
               <a:rPr lang="en-US" smtClean="0"/>
-              <a:t>10.01.20</a:t>
+              <a:t>17.01.20</a:t>
             </a:fld>
             <a:endParaRPr lang="en-US"/>
           </a:p>
@@ -4903,13 +4910,7 @@
               <a:rPr lang="de-CH" dirty="0">
                 <a:effectLst/>
               </a:rPr>
-              <a:t>BTI7082 Projekt 1</a:t>
-            </a:r>
-            <a:r>
-              <a:rPr lang="de-CH" dirty="0">
-                <a:effectLst/>
-              </a:rPr>
-              <a:t> </a:t>
+              <a:t>BTI7082 Projekt 1 </a:t>
             </a:r>
             <a:endParaRPr lang="de-CH" dirty="0" smtClean="0">
               <a:effectLst/>
@@ -4971,6 +4972,518 @@
           <a:bodyPr/>
           <a:lstStyle/>
           <a:p>
+            <a:endParaRPr lang="de-DE" dirty="0"/>
+          </a:p>
+        </p:txBody>
+      </p:sp>
+      <p:pic>
+        <p:nvPicPr>
+          <p:cNvPr id="4" name="Inhaltsplatzhalter 3" descr="Bildschirmfoto 2020-01-17 um 10.27.30.png"/>
+          <p:cNvPicPr>
+            <a:picLocks noGrp="1" noChangeAspect="1"/>
+          </p:cNvPicPr>
+          <p:nvPr>
+            <p:ph idx="1"/>
+          </p:nvPr>
+        </p:nvPicPr>
+        <p:blipFill rotWithShape="1">
+          <a:blip r:embed="rId2">
+            <a:extLst>
+              <a:ext uri="{28A0092B-C50C-407E-A947-70E740481C1C}">
+                <a14:useLocalDpi xmlns:a14="http://schemas.microsoft.com/office/drawing/2010/main" val="0"/>
+              </a:ext>
+            </a:extLst>
+          </a:blip>
+          <a:srcRect l="-25724" r="-25724"/>
+          <a:stretch/>
+        </p:blipFill>
+        <p:spPr>
+          <a:xfrm>
+            <a:off x="-200526" y="314979"/>
+            <a:ext cx="9585158" cy="6222833"/>
+          </a:xfrm>
+        </p:spPr>
+      </p:pic>
+    </p:spTree>
+    <p:extLst>
+      <p:ext uri="{BB962C8B-B14F-4D97-AF65-F5344CB8AC3E}">
+        <p14:creationId xmlns:p14="http://schemas.microsoft.com/office/powerpoint/2010/main" val="1056679566"/>
+      </p:ext>
+    </p:extLst>
+  </p:cSld>
+  <p:clrMapOvr>
+    <a:masterClrMapping/>
+  </p:clrMapOvr>
+</p:sld>
+</file>
+
+<file path=ppt/slides/slide11.xml><?xml version="1.0" encoding="utf-8"?>
+<p:sld xmlns:a="http://schemas.openxmlformats.org/drawingml/2006/main" xmlns:r="http://schemas.openxmlformats.org/officeDocument/2006/relationships" xmlns:p="http://schemas.openxmlformats.org/presentationml/2006/main">
+  <p:cSld>
+    <p:spTree>
+      <p:nvGrpSpPr>
+        <p:cNvPr id="1" name=""/>
+        <p:cNvGrpSpPr/>
+        <p:nvPr/>
+      </p:nvGrpSpPr>
+      <p:grpSpPr>
+        <a:xfrm>
+          <a:off x="0" y="0"/>
+          <a:ext cx="0" cy="0"/>
+          <a:chOff x="0" y="0"/>
+          <a:chExt cx="0" cy="0"/>
+        </a:xfrm>
+      </p:grpSpPr>
+      <p:sp>
+        <p:nvSpPr>
+          <p:cNvPr id="2" name="Titel 1"/>
+          <p:cNvSpPr>
+            <a:spLocks noGrp="1"/>
+          </p:cNvSpPr>
+          <p:nvPr>
+            <p:ph type="title"/>
+          </p:nvPr>
+        </p:nvSpPr>
+        <p:spPr/>
+        <p:txBody>
+          <a:bodyPr/>
+          <a:lstStyle/>
+          <a:p>
+            <a:r>
+              <a:rPr lang="de-DE" dirty="0" smtClean="0"/>
+              <a:t>Vorgehen</a:t>
+            </a:r>
+            <a:endParaRPr lang="de-DE" dirty="0"/>
+          </a:p>
+        </p:txBody>
+      </p:sp>
+      <p:sp>
+        <p:nvSpPr>
+          <p:cNvPr id="3" name="Inhaltsplatzhalter 2"/>
+          <p:cNvSpPr>
+            <a:spLocks noGrp="1"/>
+          </p:cNvSpPr>
+          <p:nvPr>
+            <p:ph idx="1"/>
+          </p:nvPr>
+        </p:nvSpPr>
+        <p:spPr/>
+        <p:txBody>
+          <a:bodyPr/>
+          <a:lstStyle/>
+          <a:p>
+            <a:r>
+              <a:rPr lang="de-DE" dirty="0" smtClean="0"/>
+              <a:t>Knowhow Aufbau</a:t>
+            </a:r>
+          </a:p>
+          <a:p>
+            <a:r>
+              <a:rPr lang="de-DE" dirty="0" smtClean="0"/>
+              <a:t>Iterative </a:t>
+            </a:r>
+            <a:r>
+              <a:rPr lang="de-DE" dirty="0" smtClean="0"/>
+              <a:t>Entwicklung nach </a:t>
+            </a:r>
+            <a:r>
+              <a:rPr lang="de-DE" dirty="0" err="1" smtClean="0"/>
+              <a:t>Kanban</a:t>
+            </a:r>
+            <a:endParaRPr lang="de-DE" dirty="0" smtClean="0"/>
+          </a:p>
+          <a:p>
+            <a:r>
+              <a:rPr lang="de-DE" dirty="0" smtClean="0"/>
+              <a:t>Priorisierung</a:t>
+            </a:r>
+          </a:p>
+          <a:p>
+            <a:pPr lvl="1"/>
+            <a:r>
+              <a:rPr lang="de-DE" dirty="0"/>
+              <a:t>Technische Umsetzung im Vordergrund</a:t>
+            </a:r>
+          </a:p>
+          <a:p>
+            <a:pPr lvl="1"/>
+            <a:r>
+              <a:rPr lang="de-DE" dirty="0"/>
+              <a:t>Gameplay-Elemente werden einfach gehalten</a:t>
+            </a:r>
+          </a:p>
+          <a:p>
+            <a:pPr lvl="1"/>
+            <a:r>
+              <a:rPr lang="de-DE" dirty="0"/>
+              <a:t>Graphische Elemente verbessern das Design</a:t>
+            </a:r>
+          </a:p>
+          <a:p>
+            <a:pPr lvl="1"/>
+            <a:endParaRPr lang="de-DE" dirty="0" smtClean="0"/>
+          </a:p>
+        </p:txBody>
+      </p:sp>
+    </p:spTree>
+    <p:extLst>
+      <p:ext uri="{BB962C8B-B14F-4D97-AF65-F5344CB8AC3E}">
+        <p14:creationId xmlns:p14="http://schemas.microsoft.com/office/powerpoint/2010/main" val="2158448007"/>
+      </p:ext>
+    </p:extLst>
+  </p:cSld>
+  <p:clrMapOvr>
+    <a:masterClrMapping/>
+  </p:clrMapOvr>
+</p:sld>
+</file>
+
+<file path=ppt/slides/slide12.xml><?xml version="1.0" encoding="utf-8"?>
+<p:sld xmlns:a="http://schemas.openxmlformats.org/drawingml/2006/main" xmlns:r="http://schemas.openxmlformats.org/officeDocument/2006/relationships" xmlns:p="http://schemas.openxmlformats.org/presentationml/2006/main">
+  <p:cSld>
+    <p:spTree>
+      <p:nvGrpSpPr>
+        <p:cNvPr id="1" name=""/>
+        <p:cNvGrpSpPr/>
+        <p:nvPr/>
+      </p:nvGrpSpPr>
+      <p:grpSpPr>
+        <a:xfrm>
+          <a:off x="0" y="0"/>
+          <a:ext cx="0" cy="0"/>
+          <a:chOff x="0" y="0"/>
+          <a:chExt cx="0" cy="0"/>
+        </a:xfrm>
+      </p:grpSpPr>
+      <p:sp>
+        <p:nvSpPr>
+          <p:cNvPr id="2" name="Titel 1"/>
+          <p:cNvSpPr>
+            <a:spLocks noGrp="1"/>
+          </p:cNvSpPr>
+          <p:nvPr>
+            <p:ph type="title"/>
+          </p:nvPr>
+        </p:nvSpPr>
+        <p:spPr/>
+        <p:txBody>
+          <a:bodyPr/>
+          <a:lstStyle/>
+          <a:p>
+            <a:r>
+              <a:rPr lang="de-DE" dirty="0" smtClean="0"/>
+              <a:t>Sprint 3</a:t>
+            </a:r>
+            <a:endParaRPr lang="de-DE" dirty="0"/>
+          </a:p>
+        </p:txBody>
+      </p:sp>
+      <p:pic>
+        <p:nvPicPr>
+          <p:cNvPr id="4" name="Inhaltsplatzhalter 3" descr="Bildschirmfoto 2020-01-10 um 13.13.04.png"/>
+          <p:cNvPicPr>
+            <a:picLocks noGrp="1" noChangeAspect="1"/>
+          </p:cNvPicPr>
+          <p:nvPr>
+            <p:ph idx="1"/>
+          </p:nvPr>
+        </p:nvPicPr>
+        <p:blipFill rotWithShape="1">
+          <a:blip r:embed="rId2">
+            <a:extLst>
+              <a:ext uri="{28A0092B-C50C-407E-A947-70E740481C1C}">
+                <a14:useLocalDpi xmlns:a14="http://schemas.microsoft.com/office/drawing/2010/main" val="0"/>
+              </a:ext>
+            </a:extLst>
+          </a:blip>
+          <a:srcRect/>
+          <a:stretch/>
+        </p:blipFill>
+        <p:spPr/>
+      </p:pic>
+    </p:spTree>
+    <p:extLst>
+      <p:ext uri="{BB962C8B-B14F-4D97-AF65-F5344CB8AC3E}">
+        <p14:creationId xmlns:p14="http://schemas.microsoft.com/office/powerpoint/2010/main" val="4030733101"/>
+      </p:ext>
+    </p:extLst>
+  </p:cSld>
+  <p:clrMapOvr>
+    <a:masterClrMapping/>
+  </p:clrMapOvr>
+</p:sld>
+</file>
+
+<file path=ppt/slides/slide13.xml><?xml version="1.0" encoding="utf-8"?>
+<p:sld xmlns:a="http://schemas.openxmlformats.org/drawingml/2006/main" xmlns:r="http://schemas.openxmlformats.org/officeDocument/2006/relationships" xmlns:p="http://schemas.openxmlformats.org/presentationml/2006/main">
+  <p:cSld>
+    <p:spTree>
+      <p:nvGrpSpPr>
+        <p:cNvPr id="1" name=""/>
+        <p:cNvGrpSpPr/>
+        <p:nvPr/>
+      </p:nvGrpSpPr>
+      <p:grpSpPr>
+        <a:xfrm>
+          <a:off x="0" y="0"/>
+          <a:ext cx="0" cy="0"/>
+          <a:chOff x="0" y="0"/>
+          <a:chExt cx="0" cy="0"/>
+        </a:xfrm>
+      </p:grpSpPr>
+      <p:sp>
+        <p:nvSpPr>
+          <p:cNvPr id="2" name="Titel 1"/>
+          <p:cNvSpPr>
+            <a:spLocks noGrp="1"/>
+          </p:cNvSpPr>
+          <p:nvPr>
+            <p:ph type="title"/>
+          </p:nvPr>
+        </p:nvSpPr>
+        <p:spPr/>
+        <p:txBody>
+          <a:bodyPr/>
+          <a:lstStyle/>
+          <a:p>
+            <a:r>
+              <a:rPr lang="de-DE" dirty="0" smtClean="0"/>
+              <a:t>Entwicklung des Players</a:t>
+            </a:r>
+            <a:endParaRPr lang="de-DE" dirty="0"/>
+          </a:p>
+        </p:txBody>
+      </p:sp>
+      <p:pic>
+        <p:nvPicPr>
+          <p:cNvPr id="4" name="Inhaltsplatzhalter 3" descr="Bildschirmfoto 2020-01-17 um 10.40.11.png"/>
+          <p:cNvPicPr>
+            <a:picLocks noGrp="1" noChangeAspect="1"/>
+          </p:cNvPicPr>
+          <p:nvPr>
+            <p:ph idx="1"/>
+          </p:nvPr>
+        </p:nvPicPr>
+        <p:blipFill rotWithShape="1">
+          <a:blip r:embed="rId2">
+            <a:extLst>
+              <a:ext uri="{28A0092B-C50C-407E-A947-70E740481C1C}">
+                <a14:useLocalDpi xmlns:a14="http://schemas.microsoft.com/office/drawing/2010/main" val="0"/>
+              </a:ext>
+            </a:extLst>
+          </a:blip>
+          <a:srcRect l="-151578" t="-84739" r="-44403" b="-28658"/>
+          <a:stretch/>
+        </p:blipFill>
+        <p:spPr>
+          <a:xfrm>
+            <a:off x="1244490" y="1872633"/>
+            <a:ext cx="7691719" cy="5400021"/>
+          </a:xfrm>
+        </p:spPr>
+      </p:pic>
+      <p:pic>
+        <p:nvPicPr>
+          <p:cNvPr id="5" name="Bild 4" descr="Bildschirmfoto 2020-01-17 um 10.51.13.png"/>
+          <p:cNvPicPr>
+            <a:picLocks noChangeAspect="1"/>
+          </p:cNvPicPr>
+          <p:nvPr/>
+        </p:nvPicPr>
+        <p:blipFill>
+          <a:blip r:embed="rId3">
+            <a:extLst>
+              <a:ext uri="{28A0092B-C50C-407E-A947-70E740481C1C}">
+                <a14:useLocalDpi xmlns:a14="http://schemas.microsoft.com/office/drawing/2010/main" val="0"/>
+              </a:ext>
+            </a:extLst>
+          </a:blip>
+          <a:stretch>
+            <a:fillRect/>
+          </a:stretch>
+        </p:blipFill>
+        <p:spPr>
+          <a:xfrm>
+            <a:off x="1030320" y="1872633"/>
+            <a:ext cx="3194224" cy="2898463"/>
+          </a:xfrm>
+          <a:prstGeom prst="rect">
+            <a:avLst/>
+          </a:prstGeom>
+        </p:spPr>
+      </p:pic>
+    </p:spTree>
+    <p:extLst>
+      <p:ext uri="{BB962C8B-B14F-4D97-AF65-F5344CB8AC3E}">
+        <p14:creationId xmlns:p14="http://schemas.microsoft.com/office/powerpoint/2010/main" val="17602912"/>
+      </p:ext>
+    </p:extLst>
+  </p:cSld>
+  <p:clrMapOvr>
+    <a:masterClrMapping/>
+  </p:clrMapOvr>
+</p:sld>
+</file>
+
+<file path=ppt/slides/slide14.xml><?xml version="1.0" encoding="utf-8"?>
+<p:sld xmlns:a="http://schemas.openxmlformats.org/drawingml/2006/main" xmlns:r="http://schemas.openxmlformats.org/officeDocument/2006/relationships" xmlns:p="http://schemas.openxmlformats.org/presentationml/2006/main">
+  <p:cSld>
+    <p:spTree>
+      <p:nvGrpSpPr>
+        <p:cNvPr id="1" name=""/>
+        <p:cNvGrpSpPr/>
+        <p:nvPr/>
+      </p:nvGrpSpPr>
+      <p:grpSpPr>
+        <a:xfrm>
+          <a:off x="0" y="0"/>
+          <a:ext cx="0" cy="0"/>
+          <a:chOff x="0" y="0"/>
+          <a:chExt cx="0" cy="0"/>
+        </a:xfrm>
+      </p:grpSpPr>
+      <p:sp>
+        <p:nvSpPr>
+          <p:cNvPr id="2" name="Titel 1"/>
+          <p:cNvSpPr>
+            <a:spLocks noGrp="1"/>
+          </p:cNvSpPr>
+          <p:nvPr>
+            <p:ph type="title"/>
+          </p:nvPr>
+        </p:nvSpPr>
+        <p:spPr/>
+        <p:txBody>
+          <a:bodyPr/>
+          <a:lstStyle/>
+          <a:p>
+            <a:r>
+              <a:rPr lang="de-DE" dirty="0" smtClean="0"/>
+              <a:t>Herausforderungen</a:t>
+            </a:r>
+            <a:endParaRPr lang="de-DE" dirty="0"/>
+          </a:p>
+        </p:txBody>
+      </p:sp>
+      <p:sp>
+        <p:nvSpPr>
+          <p:cNvPr id="3" name="Inhaltsplatzhalter 2"/>
+          <p:cNvSpPr>
+            <a:spLocks noGrp="1"/>
+          </p:cNvSpPr>
+          <p:nvPr>
+            <p:ph idx="1"/>
+          </p:nvPr>
+        </p:nvSpPr>
+        <p:spPr/>
+        <p:txBody>
+          <a:bodyPr/>
+          <a:lstStyle/>
+          <a:p>
+            <a:r>
+              <a:rPr lang="de-DE" dirty="0" err="1" smtClean="0"/>
+              <a:t>Grosse</a:t>
+            </a:r>
+            <a:r>
+              <a:rPr lang="de-DE" dirty="0" smtClean="0"/>
+              <a:t> Menge alte </a:t>
+            </a:r>
+            <a:r>
+              <a:rPr lang="de-DE" dirty="0" err="1" smtClean="0"/>
+              <a:t>Tutorials</a:t>
+            </a:r>
+            <a:endParaRPr lang="de-DE" dirty="0" smtClean="0"/>
+          </a:p>
+          <a:p>
+            <a:r>
+              <a:rPr lang="de-DE" dirty="0" smtClean="0"/>
+              <a:t>Umdenken </a:t>
+            </a:r>
+            <a:r>
+              <a:rPr lang="mr-IN" dirty="0" smtClean="0"/>
+              <a:t>–</a:t>
+            </a:r>
+            <a:r>
+              <a:rPr lang="de-DE" dirty="0" smtClean="0"/>
+              <a:t> Keine Businessapplikation</a:t>
+            </a:r>
+          </a:p>
+          <a:p>
+            <a:r>
+              <a:rPr lang="de-DE" dirty="0" smtClean="0"/>
+              <a:t>Mathematische Herausforderungen</a:t>
+            </a:r>
+          </a:p>
+          <a:p>
+            <a:pPr lvl="1"/>
+            <a:r>
+              <a:rPr lang="de-DE" dirty="0" smtClean="0"/>
+              <a:t>Vektoren</a:t>
+            </a:r>
+          </a:p>
+          <a:p>
+            <a:pPr lvl="1"/>
+            <a:r>
+              <a:rPr lang="de-DE" dirty="0" err="1" smtClean="0"/>
+              <a:t>Quaternions</a:t>
+            </a:r>
+            <a:endParaRPr lang="de-DE" dirty="0" smtClean="0"/>
+          </a:p>
+          <a:p>
+            <a:pPr lvl="1"/>
+            <a:r>
+              <a:rPr lang="de-DE" dirty="0" smtClean="0"/>
+              <a:t>3D Umgebung</a:t>
+            </a:r>
+            <a:endParaRPr lang="de-DE" dirty="0"/>
+          </a:p>
+        </p:txBody>
+      </p:sp>
+    </p:spTree>
+    <p:extLst>
+      <p:ext uri="{BB962C8B-B14F-4D97-AF65-F5344CB8AC3E}">
+        <p14:creationId xmlns:p14="http://schemas.microsoft.com/office/powerpoint/2010/main" val="1499212416"/>
+      </p:ext>
+    </p:extLst>
+  </p:cSld>
+  <p:clrMapOvr>
+    <a:masterClrMapping/>
+  </p:clrMapOvr>
+</p:sld>
+</file>
+
+<file path=ppt/slides/slide15.xml><?xml version="1.0" encoding="utf-8"?>
+<p:sld xmlns:a="http://schemas.openxmlformats.org/drawingml/2006/main" xmlns:r="http://schemas.openxmlformats.org/officeDocument/2006/relationships" xmlns:p="http://schemas.openxmlformats.org/presentationml/2006/main">
+  <p:cSld>
+    <p:spTree>
+      <p:nvGrpSpPr>
+        <p:cNvPr id="1" name=""/>
+        <p:cNvGrpSpPr/>
+        <p:nvPr/>
+      </p:nvGrpSpPr>
+      <p:grpSpPr>
+        <a:xfrm>
+          <a:off x="0" y="0"/>
+          <a:ext cx="0" cy="0"/>
+          <a:chOff x="0" y="0"/>
+          <a:chExt cx="0" cy="0"/>
+        </a:xfrm>
+      </p:grpSpPr>
+      <p:sp>
+        <p:nvSpPr>
+          <p:cNvPr id="2" name="Titel 1"/>
+          <p:cNvSpPr>
+            <a:spLocks noGrp="1"/>
+          </p:cNvSpPr>
+          <p:nvPr>
+            <p:ph type="title"/>
+          </p:nvPr>
+        </p:nvSpPr>
+        <p:spPr/>
+        <p:txBody>
+          <a:bodyPr/>
+          <a:lstStyle/>
+          <a:p>
             <a:r>
               <a:rPr lang="de-DE" dirty="0" err="1" smtClean="0"/>
               <a:t>Lessons</a:t>
@@ -5048,7 +5561,179 @@
 </p:sld>
 </file>
 
-<file path=ppt/slides/slide11.xml><?xml version="1.0" encoding="utf-8"?>
+<file path=ppt/slides/slide16.xml><?xml version="1.0" encoding="utf-8"?>
+<p:sld xmlns:a="http://schemas.openxmlformats.org/drawingml/2006/main" xmlns:r="http://schemas.openxmlformats.org/officeDocument/2006/relationships" xmlns:p="http://schemas.openxmlformats.org/presentationml/2006/main">
+  <p:cSld>
+    <p:spTree>
+      <p:nvGrpSpPr>
+        <p:cNvPr id="1" name=""/>
+        <p:cNvGrpSpPr/>
+        <p:nvPr/>
+      </p:nvGrpSpPr>
+      <p:grpSpPr>
+        <a:xfrm>
+          <a:off x="0" y="0"/>
+          <a:ext cx="0" cy="0"/>
+          <a:chOff x="0" y="0"/>
+          <a:chExt cx="0" cy="0"/>
+        </a:xfrm>
+      </p:grpSpPr>
+      <p:sp>
+        <p:nvSpPr>
+          <p:cNvPr id="2" name="Titel 1"/>
+          <p:cNvSpPr>
+            <a:spLocks noGrp="1"/>
+          </p:cNvSpPr>
+          <p:nvPr>
+            <p:ph type="title"/>
+          </p:nvPr>
+        </p:nvSpPr>
+        <p:spPr/>
+        <p:txBody>
+          <a:bodyPr/>
+          <a:lstStyle/>
+          <a:p>
+            <a:r>
+              <a:rPr lang="de-DE" dirty="0" smtClean="0"/>
+              <a:t>Wie weiter?</a:t>
+            </a:r>
+            <a:endParaRPr lang="de-DE" dirty="0"/>
+          </a:p>
+        </p:txBody>
+      </p:sp>
+      <p:sp>
+        <p:nvSpPr>
+          <p:cNvPr id="3" name="Inhaltsplatzhalter 2"/>
+          <p:cNvSpPr>
+            <a:spLocks noGrp="1"/>
+          </p:cNvSpPr>
+          <p:nvPr>
+            <p:ph idx="1"/>
+          </p:nvPr>
+        </p:nvSpPr>
+        <p:spPr/>
+        <p:txBody>
+          <a:bodyPr/>
+          <a:lstStyle/>
+          <a:p>
+            <a:r>
+              <a:rPr lang="de-DE" dirty="0" smtClean="0"/>
+              <a:t>Multiplayer</a:t>
+            </a:r>
+          </a:p>
+          <a:p>
+            <a:r>
+              <a:rPr lang="de-DE" dirty="0" smtClean="0"/>
+              <a:t>Online</a:t>
+            </a:r>
+          </a:p>
+          <a:p>
+            <a:r>
+              <a:rPr lang="de-DE" dirty="0" smtClean="0"/>
+              <a:t>Erweiterungen für das Raumschiff</a:t>
+            </a:r>
+          </a:p>
+          <a:p>
+            <a:r>
+              <a:rPr lang="de-DE" dirty="0" smtClean="0"/>
+              <a:t>Menu mit Shop</a:t>
+            </a:r>
+            <a:endParaRPr lang="de-DE" dirty="0"/>
+          </a:p>
+        </p:txBody>
+      </p:sp>
+    </p:spTree>
+    <p:extLst>
+      <p:ext uri="{BB962C8B-B14F-4D97-AF65-F5344CB8AC3E}">
+        <p14:creationId xmlns:p14="http://schemas.microsoft.com/office/powerpoint/2010/main" val="3717428030"/>
+      </p:ext>
+    </p:extLst>
+  </p:cSld>
+  <p:clrMapOvr>
+    <a:masterClrMapping/>
+  </p:clrMapOvr>
+</p:sld>
+</file>
+
+<file path=ppt/slides/slide17.xml><?xml version="1.0" encoding="utf-8"?>
+<p:sld xmlns:a="http://schemas.openxmlformats.org/drawingml/2006/main" xmlns:r="http://schemas.openxmlformats.org/officeDocument/2006/relationships" xmlns:p="http://schemas.openxmlformats.org/presentationml/2006/main">
+  <p:cSld>
+    <p:spTree>
+      <p:nvGrpSpPr>
+        <p:cNvPr id="1" name=""/>
+        <p:cNvGrpSpPr/>
+        <p:nvPr/>
+      </p:nvGrpSpPr>
+      <p:grpSpPr>
+        <a:xfrm>
+          <a:off x="0" y="0"/>
+          <a:ext cx="0" cy="0"/>
+          <a:chOff x="0" y="0"/>
+          <a:chExt cx="0" cy="0"/>
+        </a:xfrm>
+      </p:grpSpPr>
+      <p:sp>
+        <p:nvSpPr>
+          <p:cNvPr id="2" name="Titel 1"/>
+          <p:cNvSpPr>
+            <a:spLocks noGrp="1"/>
+          </p:cNvSpPr>
+          <p:nvPr>
+            <p:ph type="title"/>
+          </p:nvPr>
+        </p:nvSpPr>
+        <p:spPr/>
+        <p:txBody>
+          <a:bodyPr/>
+          <a:lstStyle/>
+          <a:p>
+            <a:r>
+              <a:rPr lang="de-DE" dirty="0" smtClean="0"/>
+              <a:t>Ein möglicher Shop</a:t>
+            </a:r>
+            <a:endParaRPr lang="de-DE" dirty="0"/>
+          </a:p>
+        </p:txBody>
+      </p:sp>
+      <p:pic>
+        <p:nvPicPr>
+          <p:cNvPr id="4" name="Inhaltsplatzhalter 3" descr="Bildschirmfoto 2020-01-17 um 10.44.46.png"/>
+          <p:cNvPicPr>
+            <a:picLocks noGrp="1" noChangeAspect="1"/>
+          </p:cNvPicPr>
+          <p:nvPr>
+            <p:ph idx="1"/>
+          </p:nvPr>
+        </p:nvPicPr>
+        <p:blipFill>
+          <a:blip r:embed="rId2">
+            <a:extLst>
+              <a:ext uri="{28A0092B-C50C-407E-A947-70E740481C1C}">
+                <a14:useLocalDpi xmlns:a14="http://schemas.microsoft.com/office/drawing/2010/main" val="0"/>
+              </a:ext>
+            </a:extLst>
+          </a:blip>
+          <a:srcRect l="-13708" r="-13708"/>
+          <a:stretch>
+            <a:fillRect/>
+          </a:stretch>
+        </p:blipFill>
+        <p:spPr/>
+      </p:pic>
+    </p:spTree>
+    <p:extLst>
+      <p:ext uri="{BB962C8B-B14F-4D97-AF65-F5344CB8AC3E}">
+        <p14:creationId xmlns:p14="http://schemas.microsoft.com/office/powerpoint/2010/main" val="1191463388"/>
+      </p:ext>
+    </p:extLst>
+  </p:cSld>
+  <p:clrMapOvr>
+    <a:masterClrMapping/>
+  </p:clrMapOvr>
+</p:sld>
+</file>
+
+<file path=ppt/slides/slide18.xml><?xml version="1.0" encoding="utf-8"?>
 <p:sld xmlns:a="http://schemas.openxmlformats.org/drawingml/2006/main" xmlns:r="http://schemas.openxmlformats.org/officeDocument/2006/relationships" xmlns:p="http://schemas.openxmlformats.org/presentationml/2006/main">
   <p:cSld>
     <p:spTree>
@@ -5213,20 +5898,8 @@
           </a:p>
           <a:p>
             <a:r>
-              <a:rPr lang="de-DE" dirty="0" err="1" smtClean="0"/>
-              <a:t>Lessons</a:t>
-            </a:r>
-            <a:r>
               <a:rPr lang="de-DE" dirty="0" smtClean="0"/>
-              <a:t> </a:t>
-            </a:r>
-            <a:r>
-              <a:rPr lang="de-DE" dirty="0" err="1"/>
-              <a:t>l</a:t>
-            </a:r>
-            <a:r>
-              <a:rPr lang="de-DE" dirty="0" err="1" smtClean="0"/>
-              <a:t>earned</a:t>
+              <a:t>Fazit</a:t>
             </a:r>
             <a:endParaRPr lang="de-DE" dirty="0" smtClean="0"/>
           </a:p>
@@ -5308,13 +5981,20 @@
           <a:lstStyle/>
           <a:p>
             <a:r>
+              <a:rPr lang="de-DE" dirty="0" smtClean="0"/>
+              <a:t>Keine Businessapplikation</a:t>
+            </a:r>
+          </a:p>
+          <a:p>
+            <a:r>
               <a:rPr lang="de-DE" dirty="0" err="1" smtClean="0"/>
               <a:t>Arcade</a:t>
             </a:r>
             <a:r>
               <a:rPr lang="de-DE" dirty="0" smtClean="0"/>
-              <a:t> Spiel</a:t>
-            </a:r>
+              <a:t> Spiel mit modernem Touch</a:t>
+            </a:r>
+            <a:endParaRPr lang="de-DE" dirty="0" smtClean="0"/>
           </a:p>
           <a:p>
             <a:r>
@@ -5331,6 +6011,36 @@
           </a:p>
         </p:txBody>
       </p:sp>
+      <p:pic>
+        <p:nvPicPr>
+          <p:cNvPr id="4" name="Bild 3" descr="95596205_max.jpg"/>
+          <p:cNvPicPr>
+            <a:picLocks noChangeAspect="1"/>
+          </p:cNvPicPr>
+          <p:nvPr/>
+        </p:nvPicPr>
+        <p:blipFill>
+          <a:blip r:embed="rId2">
+            <a:extLst>
+              <a:ext uri="{28A0092B-C50C-407E-A947-70E740481C1C}">
+                <a14:useLocalDpi xmlns:a14="http://schemas.microsoft.com/office/drawing/2010/main" val="0"/>
+              </a:ext>
+            </a:extLst>
+          </a:blip>
+          <a:stretch>
+            <a:fillRect/>
+          </a:stretch>
+        </p:blipFill>
+        <p:spPr>
+          <a:xfrm>
+            <a:off x="5172955" y="2812359"/>
+            <a:ext cx="3346393" cy="3346393"/>
+          </a:xfrm>
+          <a:prstGeom prst="rect">
+            <a:avLst/>
+          </a:prstGeom>
+        </p:spPr>
+      </p:pic>
     </p:spTree>
     <p:extLst>
       <p:ext uri="{BB962C8B-B14F-4D97-AF65-F5344CB8AC3E}">
@@ -5407,8 +6117,23 @@
           <a:p>
             <a:r>
               <a:rPr lang="de-DE" dirty="0" smtClean="0"/>
-              <a:t>Raumschiff steuerbar</a:t>
-            </a:r>
+              <a:t>Raumschiff </a:t>
+            </a:r>
+            <a:r>
+              <a:rPr lang="de-DE" dirty="0" smtClean="0"/>
+              <a:t>steuerbar</a:t>
+            </a:r>
+          </a:p>
+          <a:p>
+            <a:r>
+              <a:rPr lang="de-DE" dirty="0"/>
+              <a:t>3D Spiel auf 2D </a:t>
+            </a:r>
+            <a:r>
+              <a:rPr lang="de-DE" dirty="0" smtClean="0"/>
+              <a:t>Ebene</a:t>
+            </a:r>
+            <a:endParaRPr lang="de-DE" dirty="0" smtClean="0"/>
           </a:p>
           <a:p>
             <a:r>
@@ -5425,8 +6150,31 @@
           <a:p>
             <a:r>
               <a:rPr lang="de-DE" dirty="0" smtClean="0"/>
-              <a:t>Einfaches Level, welches gewinnbar ist.</a:t>
-            </a:r>
+              <a:t>Simples Level</a:t>
+            </a:r>
+            <a:r>
+              <a:rPr lang="de-DE" dirty="0" smtClean="0"/>
+              <a:t>, welches gewinnbar </a:t>
+            </a:r>
+            <a:r>
+              <a:rPr lang="de-DE" dirty="0" smtClean="0"/>
+              <a:t>ist</a:t>
+            </a:r>
+          </a:p>
+          <a:p>
+            <a:r>
+              <a:rPr lang="de-DE" dirty="0" smtClean="0"/>
+              <a:t>Im </a:t>
+            </a:r>
+            <a:r>
+              <a:rPr lang="de-DE" dirty="0"/>
+              <a:t>P</a:t>
+            </a:r>
+            <a:r>
+              <a:rPr lang="de-DE" dirty="0" smtClean="0"/>
+              <a:t>rinzip ein riesiges Frontend</a:t>
+            </a:r>
+            <a:endParaRPr lang="de-DE" dirty="0" smtClean="0"/>
           </a:p>
           <a:p>
             <a:endParaRPr lang="de-DE" dirty="0"/>
@@ -5501,8 +6249,12 @@
           <a:lstStyle/>
           <a:p>
             <a:r>
+              <a:rPr lang="de-DE" dirty="0" err="1" smtClean="0"/>
+              <a:t>Use</a:t>
+            </a:r>
+            <a:r>
               <a:rPr lang="de-DE" dirty="0" smtClean="0"/>
-              <a:t>Beispiel</a:t>
+              <a:t> Case Asteroiden</a:t>
             </a:r>
             <a:endParaRPr lang="de-DE" dirty="0"/>
           </a:p>
@@ -5596,7 +6348,12 @@
             <p:ph idx="1"/>
           </p:nvPr>
         </p:nvSpPr>
-        <p:spPr/>
+        <p:spPr>
+          <a:xfrm>
+            <a:off x="726141" y="1599711"/>
+            <a:ext cx="7691719" cy="4571999"/>
+          </a:xfrm>
+        </p:spPr>
         <p:txBody>
           <a:bodyPr/>
           <a:lstStyle/>
@@ -5623,11 +6380,21 @@
           <a:p>
             <a:r>
               <a:rPr lang="de-DE" dirty="0" smtClean="0"/>
-              <a:t>Offline spielbar. Mit wenigen </a:t>
-            </a:r>
-            <a:r>
-              <a:rPr lang="de-DE" smtClean="0"/>
-              <a:t>Klicks installiert</a:t>
+              <a:t>Offline </a:t>
+            </a:r>
+            <a:r>
+              <a:rPr lang="de-DE" dirty="0" smtClean="0"/>
+              <a:t>spielbar</a:t>
+            </a:r>
+          </a:p>
+          <a:p>
+            <a:r>
+              <a:rPr lang="de-DE" dirty="0" smtClean="0"/>
+              <a:t>Mit </a:t>
+            </a:r>
+            <a:r>
+              <a:rPr lang="de-DE" dirty="0" smtClean="0"/>
+              <a:t>wenigen Klicks installiert</a:t>
             </a:r>
           </a:p>
           <a:p>
@@ -5638,6 +6405,36 @@
           </a:p>
         </p:txBody>
       </p:sp>
+      <p:pic>
+        <p:nvPicPr>
+          <p:cNvPr id="4" name="Bild 3" descr="ogimg.jpg"/>
+          <p:cNvPicPr>
+            <a:picLocks noChangeAspect="1"/>
+          </p:cNvPicPr>
+          <p:nvPr/>
+        </p:nvPicPr>
+        <p:blipFill>
+          <a:blip r:embed="rId2">
+            <a:extLst>
+              <a:ext uri="{28A0092B-C50C-407E-A947-70E740481C1C}">
+                <a14:useLocalDpi xmlns:a14="http://schemas.microsoft.com/office/drawing/2010/main" val="0"/>
+              </a:ext>
+            </a:extLst>
+          </a:blip>
+          <a:stretch>
+            <a:fillRect/>
+          </a:stretch>
+        </p:blipFill>
+        <p:spPr>
+          <a:xfrm>
+            <a:off x="4762014" y="4177966"/>
+            <a:ext cx="3772926" cy="1980786"/>
+          </a:xfrm>
+          <a:prstGeom prst="rect">
+            <a:avLst/>
+          </a:prstGeom>
+        </p:spPr>
+      </p:pic>
     </p:spTree>
     <p:extLst>
       <p:ext uri="{BB962C8B-B14F-4D97-AF65-F5344CB8AC3E}">
@@ -5685,7 +6482,87 @@
           <a:p>
             <a:r>
               <a:rPr lang="de-DE" dirty="0" smtClean="0"/>
-              <a:t>Beispiel</a:t>
+              <a:t>Model</a:t>
+            </a:r>
+            <a:endParaRPr lang="de-DE" dirty="0"/>
+          </a:p>
+        </p:txBody>
+      </p:sp>
+      <p:pic>
+        <p:nvPicPr>
+          <p:cNvPr id="4" name="Inhaltsplatzhalter 3" descr="Model.png"/>
+          <p:cNvPicPr>
+            <a:picLocks noGrp="1" noChangeAspect="1"/>
+          </p:cNvPicPr>
+          <p:nvPr>
+            <p:ph idx="1"/>
+          </p:nvPr>
+        </p:nvPicPr>
+        <p:blipFill rotWithShape="1">
+          <a:blip r:embed="rId2" cstate="print">
+            <a:extLst>
+              <a:ext uri="{28A0092B-C50C-407E-A947-70E740481C1C}">
+                <a14:useLocalDpi xmlns:a14="http://schemas.microsoft.com/office/drawing/2010/main" val="0"/>
+              </a:ext>
+            </a:extLst>
+          </a:blip>
+          <a:srcRect/>
+          <a:stretch/>
+        </p:blipFill>
+        <p:spPr/>
+      </p:pic>
+    </p:spTree>
+    <p:extLst>
+      <p:ext uri="{BB962C8B-B14F-4D97-AF65-F5344CB8AC3E}">
+        <p14:creationId xmlns:p14="http://schemas.microsoft.com/office/powerpoint/2010/main" val="412104755"/>
+      </p:ext>
+    </p:extLst>
+  </p:cSld>
+  <p:clrMapOvr>
+    <a:masterClrMapping/>
+  </p:clrMapOvr>
+</p:sld>
+</file>
+
+<file path=ppt/slides/slide8.xml><?xml version="1.0" encoding="utf-8"?>
+<p:sld xmlns:a="http://schemas.openxmlformats.org/drawingml/2006/main" xmlns:r="http://schemas.openxmlformats.org/officeDocument/2006/relationships" xmlns:p="http://schemas.openxmlformats.org/presentationml/2006/main">
+  <p:cSld>
+    <p:spTree>
+      <p:nvGrpSpPr>
+        <p:cNvPr id="1" name=""/>
+        <p:cNvGrpSpPr/>
+        <p:nvPr/>
+      </p:nvGrpSpPr>
+      <p:grpSpPr>
+        <a:xfrm>
+          <a:off x="0" y="0"/>
+          <a:ext cx="0" cy="0"/>
+          <a:chOff x="0" y="0"/>
+          <a:chExt cx="0" cy="0"/>
+        </a:xfrm>
+      </p:grpSpPr>
+      <p:sp>
+        <p:nvSpPr>
+          <p:cNvPr id="2" name="Titel 1"/>
+          <p:cNvSpPr>
+            <a:spLocks noGrp="1"/>
+          </p:cNvSpPr>
+          <p:nvPr>
+            <p:ph type="title"/>
+          </p:nvPr>
+        </p:nvSpPr>
+        <p:spPr/>
+        <p:txBody>
+          <a:bodyPr/>
+          <a:lstStyle/>
+          <a:p>
+            <a:r>
+              <a:rPr lang="de-DE" dirty="0" err="1" smtClean="0"/>
+              <a:t>Spaceship</a:t>
+            </a:r>
+            <a:r>
+              <a:rPr lang="de-DE" dirty="0" smtClean="0"/>
+              <a:t> Controller</a:t>
             </a:r>
             <a:endParaRPr lang="de-DE" dirty="0"/>
           </a:p>
@@ -5732,105 +6609,6 @@
 </p:sld>
 </file>
 
-<file path=ppt/slides/slide8.xml><?xml version="1.0" encoding="utf-8"?>
-<p:sld xmlns:a="http://schemas.openxmlformats.org/drawingml/2006/main" xmlns:r="http://schemas.openxmlformats.org/officeDocument/2006/relationships" xmlns:p="http://schemas.openxmlformats.org/presentationml/2006/main">
-  <p:cSld>
-    <p:spTree>
-      <p:nvGrpSpPr>
-        <p:cNvPr id="1" name=""/>
-        <p:cNvGrpSpPr/>
-        <p:nvPr/>
-      </p:nvGrpSpPr>
-      <p:grpSpPr>
-        <a:xfrm>
-          <a:off x="0" y="0"/>
-          <a:ext cx="0" cy="0"/>
-          <a:chOff x="0" y="0"/>
-          <a:chExt cx="0" cy="0"/>
-        </a:xfrm>
-      </p:grpSpPr>
-      <p:sp>
-        <p:nvSpPr>
-          <p:cNvPr id="2" name="Titel 1"/>
-          <p:cNvSpPr>
-            <a:spLocks noGrp="1"/>
-          </p:cNvSpPr>
-          <p:nvPr>
-            <p:ph type="title"/>
-          </p:nvPr>
-        </p:nvSpPr>
-        <p:spPr/>
-        <p:txBody>
-          <a:bodyPr/>
-          <a:lstStyle/>
-          <a:p>
-            <a:r>
-              <a:rPr lang="de-DE" dirty="0" smtClean="0"/>
-              <a:t>Vorgehen</a:t>
-            </a:r>
-            <a:endParaRPr lang="de-DE" dirty="0"/>
-          </a:p>
-        </p:txBody>
-      </p:sp>
-      <p:sp>
-        <p:nvSpPr>
-          <p:cNvPr id="3" name="Inhaltsplatzhalter 2"/>
-          <p:cNvSpPr>
-            <a:spLocks noGrp="1"/>
-          </p:cNvSpPr>
-          <p:nvPr>
-            <p:ph idx="1"/>
-          </p:nvPr>
-        </p:nvSpPr>
-        <p:spPr/>
-        <p:txBody>
-          <a:bodyPr/>
-          <a:lstStyle/>
-          <a:p>
-            <a:r>
-              <a:rPr lang="de-DE" dirty="0" smtClean="0"/>
-              <a:t>Iterative Entwicklung nach </a:t>
-            </a:r>
-            <a:r>
-              <a:rPr lang="de-DE" dirty="0" err="1" smtClean="0"/>
-              <a:t>Kanban</a:t>
-            </a:r>
-            <a:endParaRPr lang="de-DE" dirty="0" smtClean="0"/>
-          </a:p>
-          <a:p>
-            <a:r>
-              <a:rPr lang="de-DE" dirty="0" smtClean="0"/>
-              <a:t>Technische Umsetzung im Vordergrund</a:t>
-            </a:r>
-          </a:p>
-          <a:p>
-            <a:r>
-              <a:rPr lang="de-DE" dirty="0" smtClean="0"/>
-              <a:t>Gameplay-Elemente werden einfach gehalten</a:t>
-            </a:r>
-          </a:p>
-          <a:p>
-            <a:r>
-              <a:rPr lang="de-DE" dirty="0" smtClean="0"/>
-              <a:t>Graphische Elemente verbessern das Design</a:t>
-            </a:r>
-            <a:endParaRPr lang="de-DE" dirty="0"/>
-          </a:p>
-        </p:txBody>
-      </p:sp>
-    </p:spTree>
-    <p:extLst>
-      <p:ext uri="{BB962C8B-B14F-4D97-AF65-F5344CB8AC3E}">
-        <p14:creationId xmlns:p14="http://schemas.microsoft.com/office/powerpoint/2010/main" val="2158448007"/>
-      </p:ext>
-    </p:extLst>
-  </p:cSld>
-  <p:clrMapOvr>
-    <a:masterClrMapping/>
-  </p:clrMapOvr>
-</p:sld>
-</file>
-
 <file path=ppt/slides/slide9.xml><?xml version="1.0" encoding="utf-8"?>
 <p:sld xmlns:a="http://schemas.openxmlformats.org/drawingml/2006/main" xmlns:r="http://schemas.openxmlformats.org/officeDocument/2006/relationships" xmlns:p="http://schemas.openxmlformats.org/presentationml/2006/main">
   <p:cSld>
@@ -5865,7 +6643,7 @@
           <a:p>
             <a:r>
               <a:rPr lang="de-DE" dirty="0" smtClean="0"/>
-              <a:t>Beispiel</a:t>
+              <a:t>Enemy</a:t>
             </a:r>
             <a:endParaRPr lang="de-DE" dirty="0"/>
           </a:p>
@@ -5873,7 +6651,7 @@
       </p:sp>
       <p:pic>
         <p:nvPicPr>
-          <p:cNvPr id="4" name="Inhaltsplatzhalter 3" descr="Bildschirmfoto 2020-01-10 um 13.13.04.png"/>
+          <p:cNvPr id="4" name="Inhaltsplatzhalter 3" descr="Bildschirmfoto 2020-01-17 um 10.24.48.png"/>
           <p:cNvPicPr>
             <a:picLocks noGrp="1" noChangeAspect="1"/>
           </p:cNvPicPr>
@@ -5889,7 +6667,7 @@
               </a:ext>
             </a:extLst>
           </a:blip>
-          <a:srcRect/>
+          <a:srcRect b="49670"/>
           <a:stretch/>
         </p:blipFill>
         <p:spPr/>
@@ -5897,7 +6675,7 @@
     </p:spTree>
     <p:extLst>
       <p:ext uri="{BB962C8B-B14F-4D97-AF65-F5344CB8AC3E}">
-        <p14:creationId xmlns:p14="http://schemas.microsoft.com/office/powerpoint/2010/main" val="4030733101"/>
+        <p14:creationId xmlns:p14="http://schemas.microsoft.com/office/powerpoint/2010/main" val="2005678096"/>
       </p:ext>
     </p:extLst>
   </p:cSld>

--- a/doc/PP_Arcade_V1.pptx
+++ b/doc/PP_Arcade_V1.pptx
@@ -7,22 +7,23 @@
   <p:sldIdLst>
     <p:sldId id="256" r:id="rId2"/>
     <p:sldId id="257" r:id="rId3"/>
-    <p:sldId id="259" r:id="rId4"/>
-    <p:sldId id="258" r:id="rId5"/>
-    <p:sldId id="260" r:id="rId6"/>
-    <p:sldId id="261" r:id="rId7"/>
-    <p:sldId id="268" r:id="rId8"/>
-    <p:sldId id="265" r:id="rId9"/>
-    <p:sldId id="269" r:id="rId10"/>
-    <p:sldId id="270" r:id="rId11"/>
-    <p:sldId id="262" r:id="rId12"/>
-    <p:sldId id="266" r:id="rId13"/>
-    <p:sldId id="271" r:id="rId14"/>
-    <p:sldId id="267" r:id="rId15"/>
-    <p:sldId id="263" r:id="rId16"/>
-    <p:sldId id="272" r:id="rId17"/>
-    <p:sldId id="273" r:id="rId18"/>
-    <p:sldId id="264" r:id="rId19"/>
+    <p:sldId id="274" r:id="rId4"/>
+    <p:sldId id="259" r:id="rId5"/>
+    <p:sldId id="258" r:id="rId6"/>
+    <p:sldId id="260" r:id="rId7"/>
+    <p:sldId id="261" r:id="rId8"/>
+    <p:sldId id="268" r:id="rId9"/>
+    <p:sldId id="265" r:id="rId10"/>
+    <p:sldId id="269" r:id="rId11"/>
+    <p:sldId id="270" r:id="rId12"/>
+    <p:sldId id="262" r:id="rId13"/>
+    <p:sldId id="266" r:id="rId14"/>
+    <p:sldId id="271" r:id="rId15"/>
+    <p:sldId id="267" r:id="rId16"/>
+    <p:sldId id="263" r:id="rId17"/>
+    <p:sldId id="272" r:id="rId18"/>
+    <p:sldId id="273" r:id="rId19"/>
+    <p:sldId id="264" r:id="rId20"/>
   </p:sldIdLst>
   <p:sldSz cx="9144000" cy="6858000" type="screen4x3"/>
   <p:notesSz cx="6858000" cy="9144000"/>
@@ -4972,6 +4973,82 @@
           <a:bodyPr/>
           <a:lstStyle/>
           <a:p>
+            <a:r>
+              <a:rPr lang="de-DE" dirty="0" smtClean="0"/>
+              <a:t>Enemy</a:t>
+            </a:r>
+            <a:endParaRPr lang="de-DE" dirty="0"/>
+          </a:p>
+        </p:txBody>
+      </p:sp>
+      <p:pic>
+        <p:nvPicPr>
+          <p:cNvPr id="4" name="Inhaltsplatzhalter 3" descr="Bildschirmfoto 2020-01-17 um 10.24.48.png"/>
+          <p:cNvPicPr>
+            <a:picLocks noGrp="1" noChangeAspect="1"/>
+          </p:cNvPicPr>
+          <p:nvPr>
+            <p:ph idx="1"/>
+          </p:nvPr>
+        </p:nvPicPr>
+        <p:blipFill rotWithShape="1">
+          <a:blip r:embed="rId2">
+            <a:extLst>
+              <a:ext uri="{28A0092B-C50C-407E-A947-70E740481C1C}">
+                <a14:useLocalDpi xmlns:a14="http://schemas.microsoft.com/office/drawing/2010/main" val="0"/>
+              </a:ext>
+            </a:extLst>
+          </a:blip>
+          <a:srcRect b="49670"/>
+          <a:stretch/>
+        </p:blipFill>
+        <p:spPr/>
+      </p:pic>
+    </p:spTree>
+    <p:extLst>
+      <p:ext uri="{BB962C8B-B14F-4D97-AF65-F5344CB8AC3E}">
+        <p14:creationId xmlns:p14="http://schemas.microsoft.com/office/powerpoint/2010/main" val="2005678096"/>
+      </p:ext>
+    </p:extLst>
+  </p:cSld>
+  <p:clrMapOvr>
+    <a:masterClrMapping/>
+  </p:clrMapOvr>
+</p:sld>
+</file>
+
+<file path=ppt/slides/slide11.xml><?xml version="1.0" encoding="utf-8"?>
+<p:sld xmlns:a="http://schemas.openxmlformats.org/drawingml/2006/main" xmlns:r="http://schemas.openxmlformats.org/officeDocument/2006/relationships" xmlns:p="http://schemas.openxmlformats.org/presentationml/2006/main">
+  <p:cSld>
+    <p:spTree>
+      <p:nvGrpSpPr>
+        <p:cNvPr id="1" name=""/>
+        <p:cNvGrpSpPr/>
+        <p:nvPr/>
+      </p:nvGrpSpPr>
+      <p:grpSpPr>
+        <a:xfrm>
+          <a:off x="0" y="0"/>
+          <a:ext cx="0" cy="0"/>
+          <a:chOff x="0" y="0"/>
+          <a:chExt cx="0" cy="0"/>
+        </a:xfrm>
+      </p:grpSpPr>
+      <p:sp>
+        <p:nvSpPr>
+          <p:cNvPr id="2" name="Titel 1"/>
+          <p:cNvSpPr>
+            <a:spLocks noGrp="1"/>
+          </p:cNvSpPr>
+          <p:nvPr>
+            <p:ph type="title"/>
+          </p:nvPr>
+        </p:nvSpPr>
+        <p:spPr/>
+        <p:txBody>
+          <a:bodyPr/>
+          <a:lstStyle/>
+          <a:p>
             <a:endParaRPr lang="de-DE" dirty="0"/>
           </a:p>
         </p:txBody>
@@ -5017,127 +5094,6 @@
 </p:sld>
 </file>
 
-<file path=ppt/slides/slide11.xml><?xml version="1.0" encoding="utf-8"?>
-<p:sld xmlns:a="http://schemas.openxmlformats.org/drawingml/2006/main" xmlns:r="http://schemas.openxmlformats.org/officeDocument/2006/relationships" xmlns:p="http://schemas.openxmlformats.org/presentationml/2006/main">
-  <p:cSld>
-    <p:spTree>
-      <p:nvGrpSpPr>
-        <p:cNvPr id="1" name=""/>
-        <p:cNvGrpSpPr/>
-        <p:nvPr/>
-      </p:nvGrpSpPr>
-      <p:grpSpPr>
-        <a:xfrm>
-          <a:off x="0" y="0"/>
-          <a:ext cx="0" cy="0"/>
-          <a:chOff x="0" y="0"/>
-          <a:chExt cx="0" cy="0"/>
-        </a:xfrm>
-      </p:grpSpPr>
-      <p:sp>
-        <p:nvSpPr>
-          <p:cNvPr id="2" name="Titel 1"/>
-          <p:cNvSpPr>
-            <a:spLocks noGrp="1"/>
-          </p:cNvSpPr>
-          <p:nvPr>
-            <p:ph type="title"/>
-          </p:nvPr>
-        </p:nvSpPr>
-        <p:spPr/>
-        <p:txBody>
-          <a:bodyPr/>
-          <a:lstStyle/>
-          <a:p>
-            <a:r>
-              <a:rPr lang="de-DE" dirty="0" smtClean="0"/>
-              <a:t>Vorgehen</a:t>
-            </a:r>
-            <a:endParaRPr lang="de-DE" dirty="0"/>
-          </a:p>
-        </p:txBody>
-      </p:sp>
-      <p:sp>
-        <p:nvSpPr>
-          <p:cNvPr id="3" name="Inhaltsplatzhalter 2"/>
-          <p:cNvSpPr>
-            <a:spLocks noGrp="1"/>
-          </p:cNvSpPr>
-          <p:nvPr>
-            <p:ph idx="1"/>
-          </p:nvPr>
-        </p:nvSpPr>
-        <p:spPr/>
-        <p:txBody>
-          <a:bodyPr/>
-          <a:lstStyle/>
-          <a:p>
-            <a:r>
-              <a:rPr lang="de-DE" dirty="0" smtClean="0"/>
-              <a:t>Knowhow Aufbau</a:t>
-            </a:r>
-          </a:p>
-          <a:p>
-            <a:r>
-              <a:rPr lang="de-DE" dirty="0" smtClean="0"/>
-              <a:t>Iterative </a:t>
-            </a:r>
-            <a:r>
-              <a:rPr lang="de-DE" dirty="0" smtClean="0"/>
-              <a:t>Entwicklung nach </a:t>
-            </a:r>
-            <a:r>
-              <a:rPr lang="de-DE" dirty="0" err="1" smtClean="0"/>
-              <a:t>Kanban</a:t>
-            </a:r>
-            <a:endParaRPr lang="de-DE" dirty="0" smtClean="0"/>
-          </a:p>
-          <a:p>
-            <a:r>
-              <a:rPr lang="de-DE" dirty="0" smtClean="0"/>
-              <a:t>Priorisierung</a:t>
-            </a:r>
-          </a:p>
-          <a:p>
-            <a:pPr lvl="1"/>
-            <a:r>
-              <a:rPr lang="de-DE" dirty="0"/>
-              <a:t>Technische Umsetzung im Vordergrund</a:t>
-            </a:r>
-          </a:p>
-          <a:p>
-            <a:pPr lvl="1"/>
-            <a:r>
-              <a:rPr lang="de-DE" dirty="0"/>
-              <a:t>Gameplay-Elemente werden einfach gehalten</a:t>
-            </a:r>
-          </a:p>
-          <a:p>
-            <a:pPr lvl="1"/>
-            <a:r>
-              <a:rPr lang="de-DE" dirty="0"/>
-              <a:t>Graphische Elemente verbessern das Design</a:t>
-            </a:r>
-          </a:p>
-          <a:p>
-            <a:pPr lvl="1"/>
-            <a:endParaRPr lang="de-DE" dirty="0" smtClean="0"/>
-          </a:p>
-        </p:txBody>
-      </p:sp>
-    </p:spTree>
-    <p:extLst>
-      <p:ext uri="{BB962C8B-B14F-4D97-AF65-F5344CB8AC3E}">
-        <p14:creationId xmlns:p14="http://schemas.microsoft.com/office/powerpoint/2010/main" val="2158448007"/>
-      </p:ext>
-    </p:extLst>
-  </p:cSld>
-  <p:clrMapOvr>
-    <a:masterClrMapping/>
-  </p:clrMapOvr>
-</p:sld>
-</file>
-
 <file path=ppt/slides/slide12.xml><?xml version="1.0" encoding="utf-8"?>
 <p:sld xmlns:a="http://schemas.openxmlformats.org/drawingml/2006/main" xmlns:r="http://schemas.openxmlformats.org/officeDocument/2006/relationships" xmlns:p="http://schemas.openxmlformats.org/presentationml/2006/main">
   <p:cSld>
@@ -5172,6 +5128,127 @@
           <a:p>
             <a:r>
               <a:rPr lang="de-DE" dirty="0" smtClean="0"/>
+              <a:t>Vorgehen</a:t>
+            </a:r>
+            <a:endParaRPr lang="de-DE" dirty="0"/>
+          </a:p>
+        </p:txBody>
+      </p:sp>
+      <p:sp>
+        <p:nvSpPr>
+          <p:cNvPr id="3" name="Inhaltsplatzhalter 2"/>
+          <p:cNvSpPr>
+            <a:spLocks noGrp="1"/>
+          </p:cNvSpPr>
+          <p:nvPr>
+            <p:ph idx="1"/>
+          </p:nvPr>
+        </p:nvSpPr>
+        <p:spPr/>
+        <p:txBody>
+          <a:bodyPr/>
+          <a:lstStyle/>
+          <a:p>
+            <a:r>
+              <a:rPr lang="de-DE" dirty="0" smtClean="0"/>
+              <a:t>Knowhow Aufbau</a:t>
+            </a:r>
+          </a:p>
+          <a:p>
+            <a:r>
+              <a:rPr lang="de-DE" dirty="0" smtClean="0"/>
+              <a:t>Iterative </a:t>
+            </a:r>
+            <a:r>
+              <a:rPr lang="de-DE" dirty="0" smtClean="0"/>
+              <a:t>Entwicklung nach </a:t>
+            </a:r>
+            <a:r>
+              <a:rPr lang="de-DE" dirty="0" err="1" smtClean="0"/>
+              <a:t>Kanban</a:t>
+            </a:r>
+            <a:endParaRPr lang="de-DE" dirty="0" smtClean="0"/>
+          </a:p>
+          <a:p>
+            <a:r>
+              <a:rPr lang="de-DE" dirty="0" smtClean="0"/>
+              <a:t>Priorisierung</a:t>
+            </a:r>
+          </a:p>
+          <a:p>
+            <a:pPr lvl="1"/>
+            <a:r>
+              <a:rPr lang="de-DE" dirty="0"/>
+              <a:t>Technische Umsetzung im Vordergrund</a:t>
+            </a:r>
+          </a:p>
+          <a:p>
+            <a:pPr lvl="1"/>
+            <a:r>
+              <a:rPr lang="de-DE" dirty="0"/>
+              <a:t>Gameplay-Elemente werden einfach gehalten</a:t>
+            </a:r>
+          </a:p>
+          <a:p>
+            <a:pPr lvl="1"/>
+            <a:r>
+              <a:rPr lang="de-DE" dirty="0"/>
+              <a:t>Graphische Elemente verbessern das Design</a:t>
+            </a:r>
+          </a:p>
+          <a:p>
+            <a:pPr lvl="1"/>
+            <a:endParaRPr lang="de-DE" dirty="0" smtClean="0"/>
+          </a:p>
+        </p:txBody>
+      </p:sp>
+    </p:spTree>
+    <p:extLst>
+      <p:ext uri="{BB962C8B-B14F-4D97-AF65-F5344CB8AC3E}">
+        <p14:creationId xmlns:p14="http://schemas.microsoft.com/office/powerpoint/2010/main" val="2158448007"/>
+      </p:ext>
+    </p:extLst>
+  </p:cSld>
+  <p:clrMapOvr>
+    <a:masterClrMapping/>
+  </p:clrMapOvr>
+</p:sld>
+</file>
+
+<file path=ppt/slides/slide13.xml><?xml version="1.0" encoding="utf-8"?>
+<p:sld xmlns:a="http://schemas.openxmlformats.org/drawingml/2006/main" xmlns:r="http://schemas.openxmlformats.org/officeDocument/2006/relationships" xmlns:p="http://schemas.openxmlformats.org/presentationml/2006/main">
+  <p:cSld>
+    <p:spTree>
+      <p:nvGrpSpPr>
+        <p:cNvPr id="1" name=""/>
+        <p:cNvGrpSpPr/>
+        <p:nvPr/>
+      </p:nvGrpSpPr>
+      <p:grpSpPr>
+        <a:xfrm>
+          <a:off x="0" y="0"/>
+          <a:ext cx="0" cy="0"/>
+          <a:chOff x="0" y="0"/>
+          <a:chExt cx="0" cy="0"/>
+        </a:xfrm>
+      </p:grpSpPr>
+      <p:sp>
+        <p:nvSpPr>
+          <p:cNvPr id="2" name="Titel 1"/>
+          <p:cNvSpPr>
+            <a:spLocks noGrp="1"/>
+          </p:cNvSpPr>
+          <p:nvPr>
+            <p:ph type="title"/>
+          </p:nvPr>
+        </p:nvSpPr>
+        <p:spPr/>
+        <p:txBody>
+          <a:bodyPr/>
+          <a:lstStyle/>
+          <a:p>
+            <a:r>
+              <a:rPr lang="de-DE" dirty="0" smtClean="0"/>
               <a:t>Sprint 3</a:t>
             </a:r>
             <a:endParaRPr lang="de-DE" dirty="0"/>
@@ -5214,7 +5291,7 @@
 </p:sld>
 </file>
 
-<file path=ppt/slides/slide13.xml><?xml version="1.0" encoding="utf-8"?>
+<file path=ppt/slides/slide14.xml><?xml version="1.0" encoding="utf-8"?>
 <p:sld xmlns:a="http://schemas.openxmlformats.org/drawingml/2006/main" xmlns:r="http://schemas.openxmlformats.org/officeDocument/2006/relationships" xmlns:p="http://schemas.openxmlformats.org/presentationml/2006/main">
   <p:cSld>
     <p:spTree>
@@ -5325,133 +5402,6 @@
 </p:sld>
 </file>
 
-<file path=ppt/slides/slide14.xml><?xml version="1.0" encoding="utf-8"?>
-<p:sld xmlns:a="http://schemas.openxmlformats.org/drawingml/2006/main" xmlns:r="http://schemas.openxmlformats.org/officeDocument/2006/relationships" xmlns:p="http://schemas.openxmlformats.org/presentationml/2006/main">
-  <p:cSld>
-    <p:spTree>
-      <p:nvGrpSpPr>
-        <p:cNvPr id="1" name=""/>
-        <p:cNvGrpSpPr/>
-        <p:nvPr/>
-      </p:nvGrpSpPr>
-      <p:grpSpPr>
-        <a:xfrm>
-          <a:off x="0" y="0"/>
-          <a:ext cx="0" cy="0"/>
-          <a:chOff x="0" y="0"/>
-          <a:chExt cx="0" cy="0"/>
-        </a:xfrm>
-      </p:grpSpPr>
-      <p:sp>
-        <p:nvSpPr>
-          <p:cNvPr id="2" name="Titel 1"/>
-          <p:cNvSpPr>
-            <a:spLocks noGrp="1"/>
-          </p:cNvSpPr>
-          <p:nvPr>
-            <p:ph type="title"/>
-          </p:nvPr>
-        </p:nvSpPr>
-        <p:spPr/>
-        <p:txBody>
-          <a:bodyPr/>
-          <a:lstStyle/>
-          <a:p>
-            <a:r>
-              <a:rPr lang="de-DE" dirty="0" smtClean="0"/>
-              <a:t>Herausforderungen</a:t>
-            </a:r>
-            <a:endParaRPr lang="de-DE" dirty="0"/>
-          </a:p>
-        </p:txBody>
-      </p:sp>
-      <p:sp>
-        <p:nvSpPr>
-          <p:cNvPr id="3" name="Inhaltsplatzhalter 2"/>
-          <p:cNvSpPr>
-            <a:spLocks noGrp="1"/>
-          </p:cNvSpPr>
-          <p:nvPr>
-            <p:ph idx="1"/>
-          </p:nvPr>
-        </p:nvSpPr>
-        <p:spPr/>
-        <p:txBody>
-          <a:bodyPr/>
-          <a:lstStyle/>
-          <a:p>
-            <a:r>
-              <a:rPr lang="de-DE" dirty="0" err="1" smtClean="0"/>
-              <a:t>Grosse</a:t>
-            </a:r>
-            <a:r>
-              <a:rPr lang="de-DE" dirty="0" smtClean="0"/>
-              <a:t> Menge alte </a:t>
-            </a:r>
-            <a:r>
-              <a:rPr lang="de-DE" dirty="0" err="1" smtClean="0"/>
-              <a:t>Tutorials</a:t>
-            </a:r>
-            <a:endParaRPr lang="de-DE" dirty="0" smtClean="0"/>
-          </a:p>
-          <a:p>
-            <a:r>
-              <a:rPr lang="de-DE" dirty="0" smtClean="0"/>
-              <a:t>Umdenken </a:t>
-            </a:r>
-            <a:r>
-              <a:rPr lang="mr-IN" dirty="0" smtClean="0"/>
-              <a:t>–</a:t>
-            </a:r>
-            <a:r>
-              <a:rPr lang="de-DE" dirty="0" smtClean="0"/>
-              <a:t> Keine Businessapplikation</a:t>
-            </a:r>
-          </a:p>
-          <a:p>
-            <a:r>
-              <a:rPr lang="de-DE" dirty="0" smtClean="0"/>
-              <a:t>Mathematische Herausforderungen</a:t>
-            </a:r>
-          </a:p>
-          <a:p>
-            <a:pPr lvl="1"/>
-            <a:r>
-              <a:rPr lang="de-DE" dirty="0" smtClean="0"/>
-              <a:t>Vektoren</a:t>
-            </a:r>
-          </a:p>
-          <a:p>
-            <a:pPr lvl="1"/>
-            <a:r>
-              <a:rPr lang="de-DE" dirty="0" err="1" smtClean="0"/>
-              <a:t>Quaternions</a:t>
-            </a:r>
-            <a:endParaRPr lang="de-DE" dirty="0" smtClean="0"/>
-          </a:p>
-          <a:p>
-            <a:pPr lvl="1"/>
-            <a:r>
-              <a:rPr lang="de-DE" dirty="0" smtClean="0"/>
-              <a:t>3D Umgebung</a:t>
-            </a:r>
-            <a:endParaRPr lang="de-DE" dirty="0"/>
-          </a:p>
-        </p:txBody>
-      </p:sp>
-    </p:spTree>
-    <p:extLst>
-      <p:ext uri="{BB962C8B-B14F-4D97-AF65-F5344CB8AC3E}">
-        <p14:creationId xmlns:p14="http://schemas.microsoft.com/office/powerpoint/2010/main" val="1499212416"/>
-      </p:ext>
-    </p:extLst>
-  </p:cSld>
-  <p:clrMapOvr>
-    <a:masterClrMapping/>
-  </p:clrMapOvr>
-</p:sld>
-</file>
-
 <file path=ppt/slides/slide15.xml><?xml version="1.0" encoding="utf-8"?>
 <p:sld xmlns:a="http://schemas.openxmlformats.org/drawingml/2006/main" xmlns:r="http://schemas.openxmlformats.org/officeDocument/2006/relationships" xmlns:p="http://schemas.openxmlformats.org/presentationml/2006/main">
   <p:cSld>
@@ -5485,64 +5435,85 @@
           <a:lstStyle/>
           <a:p>
             <a:r>
+              <a:rPr lang="de-DE" dirty="0" smtClean="0"/>
+              <a:t>Herausforderungen</a:t>
+            </a:r>
+            <a:endParaRPr lang="de-DE" dirty="0"/>
+          </a:p>
+        </p:txBody>
+      </p:sp>
+      <p:sp>
+        <p:nvSpPr>
+          <p:cNvPr id="3" name="Inhaltsplatzhalter 2"/>
+          <p:cNvSpPr>
+            <a:spLocks noGrp="1"/>
+          </p:cNvSpPr>
+          <p:nvPr>
+            <p:ph idx="1"/>
+          </p:nvPr>
+        </p:nvSpPr>
+        <p:spPr/>
+        <p:txBody>
+          <a:bodyPr/>
+          <a:lstStyle/>
+          <a:p>
+            <a:r>
               <a:rPr lang="de-DE" dirty="0" err="1" smtClean="0"/>
-              <a:t>Lessons</a:t>
+              <a:t>Grosse</a:t>
             </a:r>
             <a:r>
               <a:rPr lang="de-DE" dirty="0" smtClean="0"/>
-              <a:t> </a:t>
+              <a:t> Menge alte </a:t>
             </a:r>
             <a:r>
               <a:rPr lang="de-DE" dirty="0" err="1" smtClean="0"/>
-              <a:t>learned</a:t>
-            </a:r>
-            <a:endParaRPr lang="de-DE" dirty="0"/>
-          </a:p>
-        </p:txBody>
-      </p:sp>
-      <p:sp>
-        <p:nvSpPr>
-          <p:cNvPr id="3" name="Inhaltsplatzhalter 2"/>
-          <p:cNvSpPr>
-            <a:spLocks noGrp="1"/>
-          </p:cNvSpPr>
-          <p:nvPr>
-            <p:ph idx="1"/>
-          </p:nvPr>
-        </p:nvSpPr>
-        <p:spPr/>
-        <p:txBody>
-          <a:bodyPr/>
-          <a:lstStyle/>
-          <a:p>
+              <a:t>Tutorials</a:t>
+            </a:r>
+            <a:endParaRPr lang="de-DE" dirty="0" smtClean="0"/>
+          </a:p>
+          <a:p>
+            <a:r>
+              <a:rPr lang="de-DE" dirty="0" smtClean="0"/>
+              <a:t>Umdenken </a:t>
+            </a:r>
+            <a:r>
+              <a:rPr lang="mr-IN" dirty="0" smtClean="0"/>
+              <a:t>–</a:t>
+            </a:r>
+            <a:r>
+              <a:rPr lang="de-DE" dirty="0" smtClean="0"/>
+              <a:t> Keine Businessapplikation</a:t>
+            </a:r>
+          </a:p>
+          <a:p>
+            <a:r>
+              <a:rPr lang="de-DE" dirty="0" smtClean="0"/>
+              <a:t>Mathematische Herausforderungen</a:t>
+            </a:r>
+          </a:p>
+          <a:p>
+            <a:pPr lvl="1"/>
+            <a:r>
+              <a:rPr lang="de-DE" dirty="0" smtClean="0"/>
+              <a:t>Vektoren</a:t>
+            </a:r>
+          </a:p>
+          <a:p>
+            <a:pPr lvl="1"/>
             <a:r>
               <a:rPr lang="de-DE" dirty="0" err="1" smtClean="0"/>
-              <a:t>Unity</a:t>
+              <a:t>Quaternions</a:t>
             </a:r>
             <a:r>
               <a:rPr lang="de-DE" dirty="0" smtClean="0"/>
-              <a:t> sehr praktisches Framework</a:t>
-            </a:r>
-          </a:p>
-          <a:p>
+              <a:t> (Rotationen)</a:t>
+            </a:r>
+          </a:p>
+          <a:p>
+            <a:pPr lvl="1"/>
             <a:r>
               <a:rPr lang="de-DE" dirty="0" smtClean="0"/>
-              <a:t>Projektmanagement in </a:t>
-            </a:r>
-            <a:r>
-              <a:rPr lang="de-DE" dirty="0" err="1" smtClean="0"/>
-              <a:t>Github</a:t>
-            </a:r>
-            <a:endParaRPr lang="de-DE" dirty="0" smtClean="0"/>
-          </a:p>
-          <a:p>
-            <a:r>
-              <a:rPr lang="de-DE" dirty="0" smtClean="0"/>
-              <a:t>3D - 2D hohe </a:t>
-            </a:r>
-            <a:r>
-              <a:rPr lang="de-DE" dirty="0" err="1" smtClean="0"/>
-              <a:t>Komplexitität</a:t>
+              <a:t>3D Umgebung</a:t>
             </a:r>
             <a:endParaRPr lang="de-DE" dirty="0"/>
           </a:p>
@@ -5551,7 +5522,7 @@
     </p:spTree>
     <p:extLst>
       <p:ext uri="{BB962C8B-B14F-4D97-AF65-F5344CB8AC3E}">
-        <p14:creationId xmlns:p14="http://schemas.microsoft.com/office/powerpoint/2010/main" val="1684275254"/>
+        <p14:creationId xmlns:p14="http://schemas.microsoft.com/office/powerpoint/2010/main" val="1499212416"/>
       </p:ext>
     </p:extLst>
   </p:cSld>
@@ -5594,8 +5565,16 @@
           <a:lstStyle/>
           <a:p>
             <a:r>
+              <a:rPr lang="de-DE" dirty="0" err="1" smtClean="0"/>
+              <a:t>Lessons</a:t>
+            </a:r>
+            <a:r>
               <a:rPr lang="de-DE" dirty="0" smtClean="0"/>
-              <a:t>Wie weiter?</a:t>
+              <a:t> </a:t>
+            </a:r>
+            <a:r>
+              <a:rPr lang="de-DE" dirty="0" err="1" smtClean="0"/>
+              <a:t>learned</a:t>
             </a:r>
             <a:endParaRPr lang="de-DE" dirty="0"/>
           </a:p>
@@ -5617,26 +5596,33 @@
           <a:lstStyle/>
           <a:p>
             <a:r>
+              <a:rPr lang="de-DE" dirty="0" err="1" smtClean="0"/>
+              <a:t>Unity</a:t>
+            </a:r>
+            <a:r>
               <a:rPr lang="de-DE" dirty="0" smtClean="0"/>
-              <a:t>Multiplayer</a:t>
+              <a:t> sehr praktisches Framework</a:t>
             </a:r>
           </a:p>
           <a:p>
             <a:r>
               <a:rPr lang="de-DE" dirty="0" smtClean="0"/>
-              <a:t>Online</a:t>
-            </a:r>
+              <a:t>Projektmanagement in </a:t>
+            </a:r>
+            <a:r>
+              <a:rPr lang="de-DE" dirty="0" err="1" smtClean="0"/>
+              <a:t>Github</a:t>
+            </a:r>
+            <a:endParaRPr lang="de-DE" dirty="0" smtClean="0"/>
           </a:p>
           <a:p>
             <a:r>
               <a:rPr lang="de-DE" dirty="0" smtClean="0"/>
-              <a:t>Erweiterungen für das Raumschiff</a:t>
-            </a:r>
-          </a:p>
-          <a:p>
-            <a:r>
-              <a:rPr lang="de-DE" dirty="0" smtClean="0"/>
-              <a:t>Menu mit Shop</a:t>
+              <a:t>3D - 2D hohe </a:t>
+            </a:r>
+            <a:r>
+              <a:rPr lang="de-DE" dirty="0" err="1" smtClean="0"/>
+              <a:t>Komplexitität</a:t>
             </a:r>
             <a:endParaRPr lang="de-DE" dirty="0"/>
           </a:p>
@@ -5645,7 +5631,7 @@
     </p:spTree>
     <p:extLst>
       <p:ext uri="{BB962C8B-B14F-4D97-AF65-F5344CB8AC3E}">
-        <p14:creationId xmlns:p14="http://schemas.microsoft.com/office/powerpoint/2010/main" val="3717428030"/>
+        <p14:creationId xmlns:p14="http://schemas.microsoft.com/office/powerpoint/2010/main" val="1684275254"/>
       </p:ext>
     </p:extLst>
   </p:cSld>
@@ -5689,6 +5675,106 @@
           <a:p>
             <a:r>
               <a:rPr lang="de-DE" dirty="0" smtClean="0"/>
+              <a:t>Wie weiter?</a:t>
+            </a:r>
+            <a:endParaRPr lang="de-DE" dirty="0"/>
+          </a:p>
+        </p:txBody>
+      </p:sp>
+      <p:sp>
+        <p:nvSpPr>
+          <p:cNvPr id="3" name="Inhaltsplatzhalter 2"/>
+          <p:cNvSpPr>
+            <a:spLocks noGrp="1"/>
+          </p:cNvSpPr>
+          <p:nvPr>
+            <p:ph idx="1"/>
+          </p:nvPr>
+        </p:nvSpPr>
+        <p:spPr/>
+        <p:txBody>
+          <a:bodyPr/>
+          <a:lstStyle/>
+          <a:p>
+            <a:r>
+              <a:rPr lang="de-DE" dirty="0" smtClean="0"/>
+              <a:t>Multiplayer</a:t>
+            </a:r>
+          </a:p>
+          <a:p>
+            <a:r>
+              <a:rPr lang="de-DE" dirty="0" smtClean="0"/>
+              <a:t>Online</a:t>
+            </a:r>
+          </a:p>
+          <a:p>
+            <a:r>
+              <a:rPr lang="de-DE" dirty="0" smtClean="0"/>
+              <a:t>Erweiterungen für das Raumschiff</a:t>
+            </a:r>
+          </a:p>
+          <a:p>
+            <a:r>
+              <a:rPr lang="de-DE" dirty="0" smtClean="0"/>
+              <a:t>Menu mit Shop</a:t>
+            </a:r>
+          </a:p>
+          <a:p>
+            <a:r>
+              <a:rPr lang="de-DE" dirty="0" smtClean="0"/>
+              <a:t>Mikrotransaktionen</a:t>
+            </a:r>
+            <a:endParaRPr lang="de-DE" dirty="0"/>
+          </a:p>
+        </p:txBody>
+      </p:sp>
+    </p:spTree>
+    <p:extLst>
+      <p:ext uri="{BB962C8B-B14F-4D97-AF65-F5344CB8AC3E}">
+        <p14:creationId xmlns:p14="http://schemas.microsoft.com/office/powerpoint/2010/main" val="3717428030"/>
+      </p:ext>
+    </p:extLst>
+  </p:cSld>
+  <p:clrMapOvr>
+    <a:masterClrMapping/>
+  </p:clrMapOvr>
+</p:sld>
+</file>
+
+<file path=ppt/slides/slide18.xml><?xml version="1.0" encoding="utf-8"?>
+<p:sld xmlns:a="http://schemas.openxmlformats.org/drawingml/2006/main" xmlns:r="http://schemas.openxmlformats.org/officeDocument/2006/relationships" xmlns:p="http://schemas.openxmlformats.org/presentationml/2006/main">
+  <p:cSld>
+    <p:spTree>
+      <p:nvGrpSpPr>
+        <p:cNvPr id="1" name=""/>
+        <p:cNvGrpSpPr/>
+        <p:nvPr/>
+      </p:nvGrpSpPr>
+      <p:grpSpPr>
+        <a:xfrm>
+          <a:off x="0" y="0"/>
+          <a:ext cx="0" cy="0"/>
+          <a:chOff x="0" y="0"/>
+          <a:chExt cx="0" cy="0"/>
+        </a:xfrm>
+      </p:grpSpPr>
+      <p:sp>
+        <p:nvSpPr>
+          <p:cNvPr id="2" name="Titel 1"/>
+          <p:cNvSpPr>
+            <a:spLocks noGrp="1"/>
+          </p:cNvSpPr>
+          <p:nvPr>
+            <p:ph type="title"/>
+          </p:nvPr>
+        </p:nvSpPr>
+        <p:spPr/>
+        <p:txBody>
+          <a:bodyPr/>
+          <a:lstStyle/>
+          <a:p>
+            <a:r>
+              <a:rPr lang="de-DE" dirty="0" smtClean="0"/>
               <a:t>Ein möglicher Shop</a:t>
             </a:r>
             <a:endParaRPr lang="de-DE" dirty="0"/>
@@ -5733,7 +5819,7 @@
 </p:sld>
 </file>
 
-<file path=ppt/slides/slide18.xml><?xml version="1.0" encoding="utf-8"?>
+<file path=ppt/slides/slide19.xml><?xml version="1.0" encoding="utf-8"?>
 <p:sld xmlns:a="http://schemas.openxmlformats.org/drawingml/2006/main" xmlns:r="http://schemas.openxmlformats.org/officeDocument/2006/relationships" xmlns:p="http://schemas.openxmlformats.org/presentationml/2006/main">
   <p:cSld>
     <p:spTree>
@@ -5875,8 +5961,15 @@
           <a:p>
             <a:r>
               <a:rPr lang="de-DE" dirty="0" smtClean="0"/>
+              <a:t>Organisation</a:t>
+            </a:r>
+          </a:p>
+          <a:p>
+            <a:r>
+              <a:rPr lang="de-DE" dirty="0" smtClean="0"/>
               <a:t>Ausgangslage</a:t>
             </a:r>
+            <a:endParaRPr lang="de-DE" dirty="0" smtClean="0"/>
           </a:p>
           <a:p>
             <a:r>
@@ -5926,6 +6019,110 @@
 </file>
 
 <file path=ppt/slides/slide3.xml><?xml version="1.0" encoding="utf-8"?>
+<p:sld xmlns:a="http://schemas.openxmlformats.org/drawingml/2006/main" xmlns:r="http://schemas.openxmlformats.org/officeDocument/2006/relationships" xmlns:p="http://schemas.openxmlformats.org/presentationml/2006/main">
+  <p:cSld>
+    <p:spTree>
+      <p:nvGrpSpPr>
+        <p:cNvPr id="1" name=""/>
+        <p:cNvGrpSpPr/>
+        <p:nvPr/>
+      </p:nvGrpSpPr>
+      <p:grpSpPr>
+        <a:xfrm>
+          <a:off x="0" y="0"/>
+          <a:ext cx="0" cy="0"/>
+          <a:chOff x="0" y="0"/>
+          <a:chExt cx="0" cy="0"/>
+        </a:xfrm>
+      </p:grpSpPr>
+      <p:sp>
+        <p:nvSpPr>
+          <p:cNvPr id="2" name="Titel 1"/>
+          <p:cNvSpPr>
+            <a:spLocks noGrp="1"/>
+          </p:cNvSpPr>
+          <p:nvPr>
+            <p:ph type="title"/>
+          </p:nvPr>
+        </p:nvSpPr>
+        <p:spPr/>
+        <p:txBody>
+          <a:bodyPr/>
+          <a:lstStyle/>
+          <a:p>
+            <a:r>
+              <a:rPr lang="de-DE" dirty="0" smtClean="0"/>
+              <a:t>Organisation</a:t>
+            </a:r>
+            <a:endParaRPr lang="de-DE" dirty="0"/>
+          </a:p>
+        </p:txBody>
+      </p:sp>
+      <p:sp>
+        <p:nvSpPr>
+          <p:cNvPr id="3" name="Inhaltsplatzhalter 2"/>
+          <p:cNvSpPr>
+            <a:spLocks noGrp="1"/>
+          </p:cNvSpPr>
+          <p:nvPr>
+            <p:ph idx="1"/>
+          </p:nvPr>
+        </p:nvSpPr>
+        <p:spPr/>
+        <p:txBody>
+          <a:bodyPr/>
+          <a:lstStyle/>
+          <a:p>
+            <a:r>
+              <a:rPr lang="de-DE" dirty="0" smtClean="0"/>
+              <a:t>Kevin Riesen </a:t>
+            </a:r>
+            <a:r>
+              <a:rPr lang="mr-IN" dirty="0" smtClean="0"/>
+              <a:t>–</a:t>
+            </a:r>
+            <a:r>
+              <a:rPr lang="de-DE" dirty="0" smtClean="0"/>
+              <a:t> Lead Entwickler</a:t>
+            </a:r>
+          </a:p>
+          <a:p>
+            <a:r>
+              <a:rPr lang="de-DE" dirty="0" smtClean="0"/>
+              <a:t>Marco Müller </a:t>
+            </a:r>
+            <a:r>
+              <a:rPr lang="mr-IN" dirty="0" smtClean="0"/>
+              <a:t>–</a:t>
+            </a:r>
+            <a:r>
+              <a:rPr lang="de-DE" dirty="0" smtClean="0"/>
+              <a:t> Entwickler</a:t>
+            </a:r>
+          </a:p>
+          <a:p>
+            <a:r>
+              <a:rPr lang="de-DE" dirty="0" smtClean="0"/>
+              <a:t>Ueli Bühler - Entwickler</a:t>
+            </a:r>
+            <a:endParaRPr lang="de-DE" dirty="0"/>
+          </a:p>
+        </p:txBody>
+      </p:sp>
+    </p:spTree>
+    <p:extLst>
+      <p:ext uri="{BB962C8B-B14F-4D97-AF65-F5344CB8AC3E}">
+        <p14:creationId xmlns:p14="http://schemas.microsoft.com/office/powerpoint/2010/main" val="56197871"/>
+      </p:ext>
+    </p:extLst>
+  </p:cSld>
+  <p:clrMapOvr>
+    <a:masterClrMapping/>
+  </p:clrMapOvr>
+</p:sld>
+</file>
+
+<file path=ppt/slides/slide4.xml><?xml version="1.0" encoding="utf-8"?>
 <p:sld xmlns:a="http://schemas.openxmlformats.org/drawingml/2006/main" xmlns:r="http://schemas.openxmlformats.org/officeDocument/2006/relationships" xmlns:p="http://schemas.openxmlformats.org/presentationml/2006/main">
   <p:cSld>
     <p:spTree>
@@ -6054,7 +6251,7 @@
 </p:sld>
 </file>
 
-<file path=ppt/slides/slide4.xml><?xml version="1.0" encoding="utf-8"?>
+<file path=ppt/slides/slide5.xml><?xml version="1.0" encoding="utf-8"?>
 <p:sld xmlns:a="http://schemas.openxmlformats.org/drawingml/2006/main" xmlns:r="http://schemas.openxmlformats.org/officeDocument/2006/relationships" xmlns:p="http://schemas.openxmlformats.org/presentationml/2006/main">
   <p:cSld>
     <p:spTree>
@@ -6216,7 +6413,7 @@
 </p:sld>
 </file>
 
-<file path=ppt/slides/slide5.xml><?xml version="1.0" encoding="utf-8"?>
+<file path=ppt/slides/slide6.xml><?xml version="1.0" encoding="utf-8"?>
 <p:sld xmlns:a="http://schemas.openxmlformats.org/drawingml/2006/main" xmlns:r="http://schemas.openxmlformats.org/officeDocument/2006/relationships" xmlns:p="http://schemas.openxmlformats.org/presentationml/2006/main">
   <p:cSld>
     <p:spTree>
@@ -6298,7 +6495,7 @@
 </p:sld>
 </file>
 
-<file path=ppt/slides/slide6.xml><?xml version="1.0" encoding="utf-8"?>
+<file path=ppt/slides/slide7.xml><?xml version="1.0" encoding="utf-8"?>
 <p:sld xmlns:a="http://schemas.openxmlformats.org/drawingml/2006/main" xmlns:r="http://schemas.openxmlformats.org/officeDocument/2006/relationships" xmlns:p="http://schemas.openxmlformats.org/presentationml/2006/main">
   <p:cSld>
     <p:spTree>
@@ -6448,82 +6645,6 @@
 </p:sld>
 </file>
 
-<file path=ppt/slides/slide7.xml><?xml version="1.0" encoding="utf-8"?>
-<p:sld xmlns:a="http://schemas.openxmlformats.org/drawingml/2006/main" xmlns:r="http://schemas.openxmlformats.org/officeDocument/2006/relationships" xmlns:p="http://schemas.openxmlformats.org/presentationml/2006/main">
-  <p:cSld>
-    <p:spTree>
-      <p:nvGrpSpPr>
-        <p:cNvPr id="1" name=""/>
-        <p:cNvGrpSpPr/>
-        <p:nvPr/>
-      </p:nvGrpSpPr>
-      <p:grpSpPr>
-        <a:xfrm>
-          <a:off x="0" y="0"/>
-          <a:ext cx="0" cy="0"/>
-          <a:chOff x="0" y="0"/>
-          <a:chExt cx="0" cy="0"/>
-        </a:xfrm>
-      </p:grpSpPr>
-      <p:sp>
-        <p:nvSpPr>
-          <p:cNvPr id="2" name="Titel 1"/>
-          <p:cNvSpPr>
-            <a:spLocks noGrp="1"/>
-          </p:cNvSpPr>
-          <p:nvPr>
-            <p:ph type="title"/>
-          </p:nvPr>
-        </p:nvSpPr>
-        <p:spPr/>
-        <p:txBody>
-          <a:bodyPr/>
-          <a:lstStyle/>
-          <a:p>
-            <a:r>
-              <a:rPr lang="de-DE" dirty="0" smtClean="0"/>
-              <a:t>Model</a:t>
-            </a:r>
-            <a:endParaRPr lang="de-DE" dirty="0"/>
-          </a:p>
-        </p:txBody>
-      </p:sp>
-      <p:pic>
-        <p:nvPicPr>
-          <p:cNvPr id="4" name="Inhaltsplatzhalter 3" descr="Model.png"/>
-          <p:cNvPicPr>
-            <a:picLocks noGrp="1" noChangeAspect="1"/>
-          </p:cNvPicPr>
-          <p:nvPr>
-            <p:ph idx="1"/>
-          </p:nvPr>
-        </p:nvPicPr>
-        <p:blipFill rotWithShape="1">
-          <a:blip r:embed="rId2" cstate="print">
-            <a:extLst>
-              <a:ext uri="{28A0092B-C50C-407E-A947-70E740481C1C}">
-                <a14:useLocalDpi xmlns:a14="http://schemas.microsoft.com/office/drawing/2010/main" val="0"/>
-              </a:ext>
-            </a:extLst>
-          </a:blip>
-          <a:srcRect/>
-          <a:stretch/>
-        </p:blipFill>
-        <p:spPr/>
-      </p:pic>
-    </p:spTree>
-    <p:extLst>
-      <p:ext uri="{BB962C8B-B14F-4D97-AF65-F5344CB8AC3E}">
-        <p14:creationId xmlns:p14="http://schemas.microsoft.com/office/powerpoint/2010/main" val="412104755"/>
-      </p:ext>
-    </p:extLst>
-  </p:cSld>
-  <p:clrMapOvr>
-    <a:masterClrMapping/>
-  </p:clrMapOvr>
-</p:sld>
-</file>
-
 <file path=ppt/slides/slide8.xml><?xml version="1.0" encoding="utf-8"?>
 <p:sld xmlns:a="http://schemas.openxmlformats.org/drawingml/2006/main" xmlns:r="http://schemas.openxmlformats.org/officeDocument/2006/relationships" xmlns:p="http://schemas.openxmlformats.org/presentationml/2006/main">
   <p:cSld>
@@ -6557,12 +6678,8 @@
           <a:lstStyle/>
           <a:p>
             <a:r>
-              <a:rPr lang="de-DE" dirty="0" err="1" smtClean="0"/>
-              <a:t>Spaceship</a:t>
-            </a:r>
-            <a:r>
               <a:rPr lang="de-DE" dirty="0" smtClean="0"/>
-              <a:t> Controller</a:t>
+              <a:t>Model</a:t>
             </a:r>
             <a:endParaRPr lang="de-DE" dirty="0"/>
           </a:p>
@@ -6570,7 +6687,7 @@
       </p:sp>
       <p:pic>
         <p:nvPicPr>
-          <p:cNvPr id="4" name="Inhaltsplatzhalter 3" descr="Bildschirmfoto 2020-01-10 um 13.08.31.png"/>
+          <p:cNvPr id="4" name="Inhaltsplatzhalter 3" descr="Model.png"/>
           <p:cNvPicPr>
             <a:picLocks noGrp="1" noChangeAspect="1"/>
           </p:cNvPicPr>
@@ -6579,27 +6696,22 @@
           </p:nvPr>
         </p:nvPicPr>
         <p:blipFill rotWithShape="1">
-          <a:blip r:embed="rId2">
+          <a:blip r:embed="rId2" cstate="print">
             <a:extLst>
               <a:ext uri="{28A0092B-C50C-407E-A947-70E740481C1C}">
                 <a14:useLocalDpi xmlns:a14="http://schemas.microsoft.com/office/drawing/2010/main" val="0"/>
               </a:ext>
             </a:extLst>
           </a:blip>
-          <a:srcRect l="1" r="-42693"/>
+          <a:srcRect/>
           <a:stretch/>
         </p:blipFill>
-        <p:spPr>
-          <a:xfrm>
-            <a:off x="726141" y="1586753"/>
-            <a:ext cx="7691719" cy="4571999"/>
-          </a:xfrm>
-        </p:spPr>
+        <p:spPr/>
       </p:pic>
     </p:spTree>
     <p:extLst>
       <p:ext uri="{BB962C8B-B14F-4D97-AF65-F5344CB8AC3E}">
-        <p14:creationId xmlns:p14="http://schemas.microsoft.com/office/powerpoint/2010/main" val="1628855580"/>
+        <p14:creationId xmlns:p14="http://schemas.microsoft.com/office/powerpoint/2010/main" val="412104755"/>
       </p:ext>
     </p:extLst>
   </p:cSld>
@@ -6642,8 +6754,12 @@
           <a:lstStyle/>
           <a:p>
             <a:r>
+              <a:rPr lang="de-DE" dirty="0" err="1" smtClean="0"/>
+              <a:t>Spaceship</a:t>
+            </a:r>
+            <a:r>
               <a:rPr lang="de-DE" dirty="0" smtClean="0"/>
-              <a:t>Enemy</a:t>
+              <a:t> Controller</a:t>
             </a:r>
             <a:endParaRPr lang="de-DE" dirty="0"/>
           </a:p>
@@ -6651,7 +6767,7 @@
       </p:sp>
       <p:pic>
         <p:nvPicPr>
-          <p:cNvPr id="4" name="Inhaltsplatzhalter 3" descr="Bildschirmfoto 2020-01-17 um 10.24.48.png"/>
+          <p:cNvPr id="4" name="Inhaltsplatzhalter 3" descr="Bildschirmfoto 2020-01-10 um 13.08.31.png"/>
           <p:cNvPicPr>
             <a:picLocks noGrp="1" noChangeAspect="1"/>
           </p:cNvPicPr>
@@ -6667,15 +6783,20 @@
               </a:ext>
             </a:extLst>
           </a:blip>
-          <a:srcRect b="49670"/>
+          <a:srcRect l="1" r="-42693"/>
           <a:stretch/>
         </p:blipFill>
-        <p:spPr/>
+        <p:spPr>
+          <a:xfrm>
+            <a:off x="726141" y="1586753"/>
+            <a:ext cx="7691719" cy="4571999"/>
+          </a:xfrm>
+        </p:spPr>
       </p:pic>
     </p:spTree>
     <p:extLst>
       <p:ext uri="{BB962C8B-B14F-4D97-AF65-F5344CB8AC3E}">
-        <p14:creationId xmlns:p14="http://schemas.microsoft.com/office/powerpoint/2010/main" val="2005678096"/>
+        <p14:creationId xmlns:p14="http://schemas.microsoft.com/office/powerpoint/2010/main" val="1628855580"/>
       </p:ext>
     </p:extLst>
   </p:cSld>
